--- a/Individual_Contribution/GabrielGaleote/ProjectDocuments/Pictures.pptx
+++ b/Individual_Contribution/GabrielGaleote/ProjectDocuments/Pictures.pptx
@@ -274,7 +274,7 @@
           <a:p>
             <a:fld id="{A7FE2B3B-7532-403D-8C3E-95D2905F9BDB}" type="datetimeFigureOut">
               <a:rPr lang="es-ES" smtClean="0"/>
-              <a:t>11/06/2019</a:t>
+              <a:t>16/06/2019</a:t>
             </a:fld>
             <a:endParaRPr lang="es-ES"/>
           </a:p>
@@ -474,7 +474,7 @@
           <a:p>
             <a:fld id="{A7FE2B3B-7532-403D-8C3E-95D2905F9BDB}" type="datetimeFigureOut">
               <a:rPr lang="es-ES" smtClean="0"/>
-              <a:t>11/06/2019</a:t>
+              <a:t>16/06/2019</a:t>
             </a:fld>
             <a:endParaRPr lang="es-ES"/>
           </a:p>
@@ -684,7 +684,7 @@
           <a:p>
             <a:fld id="{A7FE2B3B-7532-403D-8C3E-95D2905F9BDB}" type="datetimeFigureOut">
               <a:rPr lang="es-ES" smtClean="0"/>
-              <a:t>11/06/2019</a:t>
+              <a:t>16/06/2019</a:t>
             </a:fld>
             <a:endParaRPr lang="es-ES"/>
           </a:p>
@@ -884,7 +884,7 @@
           <a:p>
             <a:fld id="{A7FE2B3B-7532-403D-8C3E-95D2905F9BDB}" type="datetimeFigureOut">
               <a:rPr lang="es-ES" smtClean="0"/>
-              <a:t>11/06/2019</a:t>
+              <a:t>16/06/2019</a:t>
             </a:fld>
             <a:endParaRPr lang="es-ES"/>
           </a:p>
@@ -1160,7 +1160,7 @@
           <a:p>
             <a:fld id="{A7FE2B3B-7532-403D-8C3E-95D2905F9BDB}" type="datetimeFigureOut">
               <a:rPr lang="es-ES" smtClean="0"/>
-              <a:t>11/06/2019</a:t>
+              <a:t>16/06/2019</a:t>
             </a:fld>
             <a:endParaRPr lang="es-ES"/>
           </a:p>
@@ -1428,7 +1428,7 @@
           <a:p>
             <a:fld id="{A7FE2B3B-7532-403D-8C3E-95D2905F9BDB}" type="datetimeFigureOut">
               <a:rPr lang="es-ES" smtClean="0"/>
-              <a:t>11/06/2019</a:t>
+              <a:t>16/06/2019</a:t>
             </a:fld>
             <a:endParaRPr lang="es-ES"/>
           </a:p>
@@ -1843,7 +1843,7 @@
           <a:p>
             <a:fld id="{A7FE2B3B-7532-403D-8C3E-95D2905F9BDB}" type="datetimeFigureOut">
               <a:rPr lang="es-ES" smtClean="0"/>
-              <a:t>11/06/2019</a:t>
+              <a:t>16/06/2019</a:t>
             </a:fld>
             <a:endParaRPr lang="es-ES"/>
           </a:p>
@@ -1985,7 +1985,7 @@
           <a:p>
             <a:fld id="{A7FE2B3B-7532-403D-8C3E-95D2905F9BDB}" type="datetimeFigureOut">
               <a:rPr lang="es-ES" smtClean="0"/>
-              <a:t>11/06/2019</a:t>
+              <a:t>16/06/2019</a:t>
             </a:fld>
             <a:endParaRPr lang="es-ES"/>
           </a:p>
@@ -2098,7 +2098,7 @@
           <a:p>
             <a:fld id="{A7FE2B3B-7532-403D-8C3E-95D2905F9BDB}" type="datetimeFigureOut">
               <a:rPr lang="es-ES" smtClean="0"/>
-              <a:t>11/06/2019</a:t>
+              <a:t>16/06/2019</a:t>
             </a:fld>
             <a:endParaRPr lang="es-ES"/>
           </a:p>
@@ -2411,7 +2411,7 @@
           <a:p>
             <a:fld id="{A7FE2B3B-7532-403D-8C3E-95D2905F9BDB}" type="datetimeFigureOut">
               <a:rPr lang="es-ES" smtClean="0"/>
-              <a:t>11/06/2019</a:t>
+              <a:t>16/06/2019</a:t>
             </a:fld>
             <a:endParaRPr lang="es-ES"/>
           </a:p>
@@ -2700,7 +2700,7 @@
           <a:p>
             <a:fld id="{A7FE2B3B-7532-403D-8C3E-95D2905F9BDB}" type="datetimeFigureOut">
               <a:rPr lang="es-ES" smtClean="0"/>
-              <a:t>11/06/2019</a:t>
+              <a:t>16/06/2019</a:t>
             </a:fld>
             <a:endParaRPr lang="es-ES"/>
           </a:p>
@@ -2943,7 +2943,7 @@
           <a:p>
             <a:fld id="{A7FE2B3B-7532-403D-8C3E-95D2905F9BDB}" type="datetimeFigureOut">
               <a:rPr lang="es-ES" smtClean="0"/>
-              <a:t>11/06/2019</a:t>
+              <a:t>16/06/2019</a:t>
             </a:fld>
             <a:endParaRPr lang="es-ES"/>
           </a:p>
@@ -3360,12 +3360,59 @@
           <a:chExt cx="0" cy="0"/>
         </a:xfrm>
       </p:grpSpPr>
-      <p:sp>
-        <p:nvSpPr>
-          <p:cNvPr id="4" name="Rectangle: Rounded Corners 3">
-            <a:extLst>
-              <a:ext uri="{FF2B5EF4-FFF2-40B4-BE49-F238E27FC236}">
-                <a16:creationId xmlns:a16="http://schemas.microsoft.com/office/drawing/2014/main" id="{228DE45D-021B-4D47-8D25-B9588B97D14A}"/>
+      <p:pic>
+        <p:nvPicPr>
+          <p:cNvPr id="1034" name="Picture 10" descr="Resultado de imagen de gnd symbol">
+            <a:extLst>
+              <a:ext uri="{FF2B5EF4-FFF2-40B4-BE49-F238E27FC236}">
+                <a16:creationId xmlns:a16="http://schemas.microsoft.com/office/drawing/2014/main" id="{9EA10C34-775E-4CEC-90B6-58878E694045}"/>
+              </a:ext>
+            </a:extLst>
+          </p:cNvPr>
+          <p:cNvPicPr>
+            <a:picLocks noChangeAspect="1" noChangeArrowheads="1"/>
+          </p:cNvPicPr>
+          <p:nvPr/>
+        </p:nvPicPr>
+        <p:blipFill>
+          <a:blip r:embed="rId2">
+            <a:extLst>
+              <a:ext uri="{28A0092B-C50C-407E-A947-70E740481C1C}">
+                <a14:useLocalDpi xmlns:a14="http://schemas.microsoft.com/office/drawing/2010/main" val="0"/>
+              </a:ext>
+            </a:extLst>
+          </a:blip>
+          <a:srcRect/>
+          <a:stretch>
+            <a:fillRect/>
+          </a:stretch>
+        </p:blipFill>
+        <p:spPr bwMode="auto">
+          <a:xfrm>
+            <a:off x="5559309" y="3689473"/>
+            <a:ext cx="854756" cy="960350"/>
+          </a:xfrm>
+          <a:prstGeom prst="rect">
+            <a:avLst/>
+          </a:prstGeom>
+          <a:noFill/>
+          <a:extLst>
+            <a:ext uri="{909E8E84-426E-40DD-AFC4-6F175D3DCCD1}">
+              <a14:hiddenFill xmlns:a14="http://schemas.microsoft.com/office/drawing/2010/main">
+                <a:solidFill>
+                  <a:srgbClr val="FFFFFF"/>
+                </a:solidFill>
+              </a14:hiddenFill>
+            </a:ext>
+          </a:extLst>
+        </p:spPr>
+      </p:pic>
+      <p:sp>
+        <p:nvSpPr>
+          <p:cNvPr id="2" name="Rectangle 1">
+            <a:extLst>
+              <a:ext uri="{FF2B5EF4-FFF2-40B4-BE49-F238E27FC236}">
+                <a16:creationId xmlns:a16="http://schemas.microsoft.com/office/drawing/2014/main" id="{6ADF2A6F-0CA5-49FE-97E8-D904C984C035}"/>
               </a:ext>
             </a:extLst>
           </p:cNvPr>
@@ -3374,22 +3421,32 @@
         </p:nvSpPr>
         <p:spPr>
           <a:xfrm>
-            <a:off x="1071417" y="2623527"/>
-            <a:ext cx="2858655" cy="1610938"/>
-          </a:xfrm>
-          <a:prstGeom prst="roundRect">
+            <a:off x="194633" y="1936172"/>
+            <a:ext cx="3323601" cy="2985655"/>
+          </a:xfrm>
+          <a:prstGeom prst="rect">
             <a:avLst/>
           </a:prstGeom>
+          <a:noFill/>
+          <a:ln w="12700" cap="flat" cmpd="sng" algn="ctr">
+            <a:solidFill>
+              <a:schemeClr val="dk1"/>
+            </a:solidFill>
+            <a:prstDash val="lgDash"/>
+            <a:round/>
+            <a:headEnd type="none" w="med" len="med"/>
+            <a:tailEnd type="none" w="med" len="med"/>
+          </a:ln>
         </p:spPr>
         <p:style>
-          <a:lnRef idx="1">
-            <a:schemeClr val="accent5"/>
+          <a:lnRef idx="0">
+            <a:scrgbClr r="0" g="0" b="0"/>
           </a:lnRef>
-          <a:fillRef idx="2">
-            <a:schemeClr val="accent5"/>
+          <a:fillRef idx="0">
+            <a:scrgbClr r="0" g="0" b="0"/>
           </a:fillRef>
-          <a:effectRef idx="1">
-            <a:schemeClr val="accent5"/>
+          <a:effectRef idx="0">
+            <a:scrgbClr r="0" g="0" b="0"/>
           </a:effectRef>
           <a:fontRef idx="minor">
             <a:schemeClr val="dk1"/>
@@ -3400,20 +3457,16 @@
           <a:lstStyle/>
           <a:p>
             <a:pPr algn="ctr"/>
-            <a:r>
-              <a:rPr lang="en-GB" sz="4400"/>
-              <a:t>Antenna</a:t>
-            </a:r>
-            <a:endParaRPr lang="en-GB" sz="5400"/>
-          </a:p>
-        </p:txBody>
-      </p:sp>
-      <p:sp>
-        <p:nvSpPr>
-          <p:cNvPr id="5" name="Rectangle: Rounded Corners 4">
-            <a:extLst>
-              <a:ext uri="{FF2B5EF4-FFF2-40B4-BE49-F238E27FC236}">
-                <a16:creationId xmlns:a16="http://schemas.microsoft.com/office/drawing/2014/main" id="{21D9C4EE-5012-4C66-8D0C-B4DDD1BCF30C}"/>
+            <a:endParaRPr lang="es-ES"/>
+          </a:p>
+        </p:txBody>
+      </p:sp>
+      <p:sp>
+        <p:nvSpPr>
+          <p:cNvPr id="10" name="Rectangle 9">
+            <a:extLst>
+              <a:ext uri="{FF2B5EF4-FFF2-40B4-BE49-F238E27FC236}">
+                <a16:creationId xmlns:a16="http://schemas.microsoft.com/office/drawing/2014/main" id="{9FB34E10-04B0-4674-803A-6D5FA73FB7BB}"/>
               </a:ext>
             </a:extLst>
           </p:cNvPr>
@@ -3422,22 +3475,32 @@
         </p:nvSpPr>
         <p:spPr>
           <a:xfrm>
-            <a:off x="8261927" y="2623532"/>
-            <a:ext cx="3006437" cy="1610936"/>
-          </a:xfrm>
-          <a:prstGeom prst="roundRect">
+            <a:off x="3619984" y="1936172"/>
+            <a:ext cx="4952032" cy="2985655"/>
+          </a:xfrm>
+          <a:prstGeom prst="rect">
             <a:avLst/>
           </a:prstGeom>
+          <a:noFill/>
+          <a:ln w="12700" cap="flat" cmpd="sng" algn="ctr">
+            <a:solidFill>
+              <a:schemeClr val="dk1"/>
+            </a:solidFill>
+            <a:prstDash val="lgDash"/>
+            <a:round/>
+            <a:headEnd type="none" w="med" len="med"/>
+            <a:tailEnd type="none" w="med" len="med"/>
+          </a:ln>
         </p:spPr>
         <p:style>
-          <a:lnRef idx="1">
-            <a:schemeClr val="accent4"/>
+          <a:lnRef idx="0">
+            <a:scrgbClr r="0" g="0" b="0"/>
           </a:lnRef>
-          <a:fillRef idx="2">
-            <a:schemeClr val="accent4"/>
+          <a:fillRef idx="0">
+            <a:scrgbClr r="0" g="0" b="0"/>
           </a:fillRef>
-          <a:effectRef idx="1">
-            <a:schemeClr val="accent4"/>
+          <a:effectRef idx="0">
+            <a:scrgbClr r="0" g="0" b="0"/>
           </a:effectRef>
           <a:fontRef idx="minor">
             <a:schemeClr val="dk1"/>
@@ -3448,19 +3511,16 @@
           <a:lstStyle/>
           <a:p>
             <a:pPr algn="ctr"/>
-            <a:r>
-              <a:rPr lang="en-GB" sz="4400" dirty="0"/>
-              <a:t>LED</a:t>
-            </a:r>
-          </a:p>
-        </p:txBody>
-      </p:sp>
-      <p:sp>
-        <p:nvSpPr>
-          <p:cNvPr id="6" name="Rectangle: Rounded Corners 5">
-            <a:extLst>
-              <a:ext uri="{FF2B5EF4-FFF2-40B4-BE49-F238E27FC236}">
-                <a16:creationId xmlns:a16="http://schemas.microsoft.com/office/drawing/2014/main" id="{20E03B3F-6CF4-4BF1-B8D6-9D00CCF870FD}"/>
+            <a:endParaRPr lang="es-ES"/>
+          </a:p>
+        </p:txBody>
+      </p:sp>
+      <p:sp>
+        <p:nvSpPr>
+          <p:cNvPr id="14" name="Rectangle 13">
+            <a:extLst>
+              <a:ext uri="{FF2B5EF4-FFF2-40B4-BE49-F238E27FC236}">
+                <a16:creationId xmlns:a16="http://schemas.microsoft.com/office/drawing/2014/main" id="{33266789-7B79-44E7-BB43-93071B6A9BEE}"/>
               </a:ext>
             </a:extLst>
           </p:cNvPr>
@@ -3469,22 +3529,32 @@
         </p:nvSpPr>
         <p:spPr>
           <a:xfrm>
-            <a:off x="4666672" y="2623528"/>
-            <a:ext cx="2858655" cy="1610937"/>
-          </a:xfrm>
-          <a:prstGeom prst="roundRect">
+            <a:off x="8657078" y="1936172"/>
+            <a:ext cx="3323601" cy="2985655"/>
+          </a:xfrm>
+          <a:prstGeom prst="rect">
             <a:avLst/>
           </a:prstGeom>
+          <a:noFill/>
+          <a:ln w="12700" cap="flat" cmpd="sng" algn="ctr">
+            <a:solidFill>
+              <a:schemeClr val="dk1"/>
+            </a:solidFill>
+            <a:prstDash val="lgDash"/>
+            <a:round/>
+            <a:headEnd type="none" w="med" len="med"/>
+            <a:tailEnd type="none" w="med" len="med"/>
+          </a:ln>
         </p:spPr>
         <p:style>
-          <a:lnRef idx="1">
-            <a:schemeClr val="accent2"/>
+          <a:lnRef idx="0">
+            <a:scrgbClr r="0" g="0" b="0"/>
           </a:lnRef>
-          <a:fillRef idx="2">
-            <a:schemeClr val="accent2"/>
+          <a:fillRef idx="0">
+            <a:scrgbClr r="0" g="0" b="0"/>
           </a:fillRef>
-          <a:effectRef idx="1">
-            <a:schemeClr val="accent2"/>
+          <a:effectRef idx="0">
+            <a:scrgbClr r="0" g="0" b="0"/>
           </a:effectRef>
           <a:fontRef idx="minor">
             <a:schemeClr val="dk1"/>
@@ -3495,45 +3565,467 @@
           <a:lstStyle/>
           <a:p>
             <a:pPr algn="ctr"/>
-            <a:r>
-              <a:rPr lang="en-GB" sz="4400"/>
-              <a:t>Circuit</a:t>
-            </a:r>
-          </a:p>
-        </p:txBody>
-      </p:sp>
+            <a:endParaRPr lang="es-ES"/>
+          </a:p>
+        </p:txBody>
+      </p:sp>
+      <p:sp>
+        <p:nvSpPr>
+          <p:cNvPr id="3" name="TextBox 2">
+            <a:extLst>
+              <a:ext uri="{FF2B5EF4-FFF2-40B4-BE49-F238E27FC236}">
+                <a16:creationId xmlns:a16="http://schemas.microsoft.com/office/drawing/2014/main" id="{524AEB65-7721-4772-8DDE-1568625A0AC6}"/>
+              </a:ext>
+            </a:extLst>
+          </p:cNvPr>
+          <p:cNvSpPr txBox="1"/>
+          <p:nvPr/>
+        </p:nvSpPr>
+        <p:spPr>
+          <a:xfrm>
+            <a:off x="1380982" y="2023770"/>
+            <a:ext cx="950901" cy="369332"/>
+          </a:xfrm>
+          <a:prstGeom prst="rect">
+            <a:avLst/>
+          </a:prstGeom>
+          <a:noFill/>
+        </p:spPr>
+        <p:txBody>
+          <a:bodyPr wrap="none" rtlCol="0">
+            <a:spAutoFit/>
+          </a:bodyPr>
+          <a:lstStyle/>
+          <a:p>
+            <a:pPr algn="ctr"/>
+            <a:r>
+              <a:rPr lang="en-GB" dirty="0">
+                <a:latin typeface="Garamond" panose="02020404030301010803" pitchFamily="18" charset="0"/>
+                <a:cs typeface="Arial" panose="020B0604020202020204" pitchFamily="34" charset="0"/>
+              </a:rPr>
+              <a:t>Antenna</a:t>
+            </a:r>
+          </a:p>
+        </p:txBody>
+      </p:sp>
+      <p:sp>
+        <p:nvSpPr>
+          <p:cNvPr id="15" name="TextBox 14">
+            <a:extLst>
+              <a:ext uri="{FF2B5EF4-FFF2-40B4-BE49-F238E27FC236}">
+                <a16:creationId xmlns:a16="http://schemas.microsoft.com/office/drawing/2014/main" id="{248AED5F-1F16-4549-804F-DF8CFE82567D}"/>
+              </a:ext>
+            </a:extLst>
+          </p:cNvPr>
+          <p:cNvSpPr txBox="1"/>
+          <p:nvPr/>
+        </p:nvSpPr>
+        <p:spPr>
+          <a:xfrm>
+            <a:off x="5122020" y="2023770"/>
+            <a:ext cx="1947969" cy="369332"/>
+          </a:xfrm>
+          <a:prstGeom prst="rect">
+            <a:avLst/>
+          </a:prstGeom>
+          <a:noFill/>
+        </p:spPr>
+        <p:txBody>
+          <a:bodyPr wrap="none" rtlCol="0">
+            <a:spAutoFit/>
+          </a:bodyPr>
+          <a:lstStyle/>
+          <a:p>
+            <a:pPr algn="ctr"/>
+            <a:r>
+              <a:rPr lang="en-GB" dirty="0">
+                <a:latin typeface="Garamond" panose="02020404030301010803" pitchFamily="18" charset="0"/>
+                <a:cs typeface="Arial" panose="020B0604020202020204" pitchFamily="34" charset="0"/>
+              </a:rPr>
+              <a:t>Signal Conditioning</a:t>
+            </a:r>
+          </a:p>
+        </p:txBody>
+      </p:sp>
+      <p:sp>
+        <p:nvSpPr>
+          <p:cNvPr id="16" name="TextBox 15">
+            <a:extLst>
+              <a:ext uri="{FF2B5EF4-FFF2-40B4-BE49-F238E27FC236}">
+                <a16:creationId xmlns:a16="http://schemas.microsoft.com/office/drawing/2014/main" id="{A6256198-A9EF-4BE7-A1AF-284A67F928E7}"/>
+              </a:ext>
+            </a:extLst>
+          </p:cNvPr>
+          <p:cNvSpPr txBox="1"/>
+          <p:nvPr/>
+        </p:nvSpPr>
+        <p:spPr>
+          <a:xfrm>
+            <a:off x="9995712" y="1998920"/>
+            <a:ext cx="646331" cy="369332"/>
+          </a:xfrm>
+          <a:prstGeom prst="rect">
+            <a:avLst/>
+          </a:prstGeom>
+          <a:noFill/>
+        </p:spPr>
+        <p:txBody>
+          <a:bodyPr wrap="none" rtlCol="0">
+            <a:spAutoFit/>
+          </a:bodyPr>
+          <a:lstStyle/>
+          <a:p>
+            <a:pPr algn="ctr"/>
+            <a:r>
+              <a:rPr lang="es-ES" dirty="0">
+                <a:latin typeface="Garamond" panose="02020404030301010803" pitchFamily="18" charset="0"/>
+                <a:cs typeface="Arial" panose="020B0604020202020204" pitchFamily="34" charset="0"/>
+              </a:rPr>
+              <a:t>LED</a:t>
+            </a:r>
+          </a:p>
+        </p:txBody>
+      </p:sp>
+      <p:pic>
+        <p:nvPicPr>
+          <p:cNvPr id="1026" name="Picture 2" descr="Resultado de imagen de flexible pcb antenna">
+            <a:extLst>
+              <a:ext uri="{FF2B5EF4-FFF2-40B4-BE49-F238E27FC236}">
+                <a16:creationId xmlns:a16="http://schemas.microsoft.com/office/drawing/2014/main" id="{A0D10461-CEF0-43E2-970E-24EB4B335EDC}"/>
+              </a:ext>
+            </a:extLst>
+          </p:cNvPr>
+          <p:cNvPicPr>
+            <a:picLocks noChangeAspect="1" noChangeArrowheads="1"/>
+          </p:cNvPicPr>
+          <p:nvPr/>
+        </p:nvPicPr>
+        <p:blipFill rotWithShape="1">
+          <a:blip r:embed="rId3">
+            <a:extLst>
+              <a:ext uri="{BEBA8EAE-BF5A-486C-A8C5-ECC9F3942E4B}">
+                <a14:imgProps xmlns:a14="http://schemas.microsoft.com/office/drawing/2010/main">
+                  <a14:imgLayer r:embed="rId4">
+                    <a14:imgEffect>
+                      <a14:brightnessContrast bright="40000" contrast="-40000"/>
+                    </a14:imgEffect>
+                  </a14:imgLayer>
+                </a14:imgProps>
+              </a:ext>
+              <a:ext uri="{28A0092B-C50C-407E-A947-70E740481C1C}">
+                <a14:useLocalDpi xmlns:a14="http://schemas.microsoft.com/office/drawing/2010/main" val="0"/>
+              </a:ext>
+            </a:extLst>
+          </a:blip>
+          <a:srcRect l="7778" t="15443" r="5896" b="16189"/>
+          <a:stretch/>
+        </p:blipFill>
+        <p:spPr bwMode="auto">
+          <a:xfrm>
+            <a:off x="301583" y="2578791"/>
+            <a:ext cx="3130489" cy="1653825"/>
+          </a:xfrm>
+          <a:prstGeom prst="rect">
+            <a:avLst/>
+          </a:prstGeom>
+          <a:noFill/>
+          <a:extLst>
+            <a:ext uri="{909E8E84-426E-40DD-AFC4-6F175D3DCCD1}">
+              <a14:hiddenFill xmlns:a14="http://schemas.microsoft.com/office/drawing/2010/main">
+                <a:solidFill>
+                  <a:srgbClr val="FFFFFF"/>
+                </a:solidFill>
+              </a14:hiddenFill>
+            </a:ext>
+          </a:extLst>
+        </p:spPr>
+      </p:pic>
+      <p:sp>
+        <p:nvSpPr>
+          <p:cNvPr id="7" name="TextBox 6">
+            <a:extLst>
+              <a:ext uri="{FF2B5EF4-FFF2-40B4-BE49-F238E27FC236}">
+                <a16:creationId xmlns:a16="http://schemas.microsoft.com/office/drawing/2014/main" id="{C2921C53-E264-460E-A9E4-3A5488F25169}"/>
+              </a:ext>
+            </a:extLst>
+          </p:cNvPr>
+          <p:cNvSpPr txBox="1"/>
+          <p:nvPr/>
+        </p:nvSpPr>
+        <p:spPr>
+          <a:xfrm rot="19480269">
+            <a:off x="561215" y="3377483"/>
+            <a:ext cx="2425734" cy="307777"/>
+          </a:xfrm>
+          <a:prstGeom prst="rect">
+            <a:avLst/>
+          </a:prstGeom>
+          <a:solidFill>
+            <a:schemeClr val="bg2"/>
+          </a:solidFill>
+        </p:spPr>
+        <p:txBody>
+          <a:bodyPr wrap="square" rtlCol="0">
+            <a:spAutoFit/>
+          </a:bodyPr>
+          <a:lstStyle/>
+          <a:p>
+            <a:r>
+              <a:rPr lang="es-ES" sz="1400" dirty="0"/>
+              <a:t>Change </a:t>
+            </a:r>
+            <a:r>
+              <a:rPr lang="es-ES" sz="1400" dirty="0" err="1"/>
+              <a:t>picture</a:t>
+            </a:r>
+            <a:r>
+              <a:rPr lang="es-ES" sz="1400" dirty="0"/>
+              <a:t> </a:t>
+            </a:r>
+            <a:r>
+              <a:rPr lang="es-ES" sz="1400" dirty="0" err="1"/>
+              <a:t>to</a:t>
+            </a:r>
+            <a:r>
+              <a:rPr lang="es-ES" sz="1400" dirty="0"/>
+              <a:t> </a:t>
+            </a:r>
+            <a:r>
+              <a:rPr lang="es-ES" sz="1400" dirty="0" err="1"/>
+              <a:t>our</a:t>
+            </a:r>
+            <a:r>
+              <a:rPr lang="es-ES" sz="1400" dirty="0"/>
+              <a:t> </a:t>
+            </a:r>
+            <a:r>
+              <a:rPr lang="es-ES" sz="1400" dirty="0" err="1"/>
+              <a:t>antenna</a:t>
+            </a:r>
+            <a:endParaRPr lang="es-ES" sz="1400" dirty="0"/>
+          </a:p>
+        </p:txBody>
+      </p:sp>
+      <p:pic>
+        <p:nvPicPr>
+          <p:cNvPr id="1030" name="Picture 6" descr="Resultado de imagen de resistor symbol">
+            <a:extLst>
+              <a:ext uri="{FF2B5EF4-FFF2-40B4-BE49-F238E27FC236}">
+                <a16:creationId xmlns:a16="http://schemas.microsoft.com/office/drawing/2014/main" id="{98DB21C0-7637-4E18-9B65-93798C917681}"/>
+              </a:ext>
+            </a:extLst>
+          </p:cNvPr>
+          <p:cNvPicPr>
+            <a:picLocks noChangeAspect="1" noChangeArrowheads="1"/>
+          </p:cNvPicPr>
+          <p:nvPr/>
+        </p:nvPicPr>
+        <p:blipFill>
+          <a:blip r:embed="rId5">
+            <a:extLst>
+              <a:ext uri="{28A0092B-C50C-407E-A947-70E740481C1C}">
+                <a14:useLocalDpi xmlns:a14="http://schemas.microsoft.com/office/drawing/2010/main" val="0"/>
+              </a:ext>
+            </a:extLst>
+          </a:blip>
+          <a:srcRect/>
+          <a:stretch>
+            <a:fillRect/>
+          </a:stretch>
+        </p:blipFill>
+        <p:spPr bwMode="auto">
+          <a:xfrm>
+            <a:off x="7091432" y="2488254"/>
+            <a:ext cx="676298" cy="654501"/>
+          </a:xfrm>
+          <a:prstGeom prst="rect">
+            <a:avLst/>
+          </a:prstGeom>
+          <a:noFill/>
+          <a:extLst>
+            <a:ext uri="{909E8E84-426E-40DD-AFC4-6F175D3DCCD1}">
+              <a14:hiddenFill xmlns:a14="http://schemas.microsoft.com/office/drawing/2010/main">
+                <a:solidFill>
+                  <a:srgbClr val="FFFFFF"/>
+                </a:solidFill>
+              </a14:hiddenFill>
+            </a:ext>
+          </a:extLst>
+        </p:spPr>
+      </p:pic>
+      <p:pic>
+        <p:nvPicPr>
+          <p:cNvPr id="18" name="Picture 17">
+            <a:extLst>
+              <a:ext uri="{FF2B5EF4-FFF2-40B4-BE49-F238E27FC236}">
+                <a16:creationId xmlns:a16="http://schemas.microsoft.com/office/drawing/2014/main" id="{06E82D0E-61DD-4870-8519-47939FBACC43}"/>
+              </a:ext>
+            </a:extLst>
+          </p:cNvPr>
+          <p:cNvPicPr>
+            <a:picLocks noChangeAspect="1"/>
+          </p:cNvPicPr>
+          <p:nvPr/>
+        </p:nvPicPr>
+        <p:blipFill>
+          <a:blip r:embed="rId6">
+            <a:extLst>
+              <a:ext uri="{BEBA8EAE-BF5A-486C-A8C5-ECC9F3942E4B}">
+                <a14:imgProps xmlns:a14="http://schemas.microsoft.com/office/drawing/2010/main">
+                  <a14:imgLayer r:embed="rId7">
+                    <a14:imgEffect>
+                      <a14:sharpenSoften amount="50000"/>
+                    </a14:imgEffect>
+                  </a14:imgLayer>
+                </a14:imgProps>
+              </a:ext>
+              <a:ext uri="{28A0092B-C50C-407E-A947-70E740481C1C}">
+                <a14:useLocalDpi xmlns:a14="http://schemas.microsoft.com/office/drawing/2010/main" val="0"/>
+              </a:ext>
+            </a:extLst>
+          </a:blip>
+          <a:stretch>
+            <a:fillRect/>
+          </a:stretch>
+        </p:blipFill>
+        <p:spPr>
+          <a:xfrm>
+            <a:off x="3756848" y="2599751"/>
+            <a:ext cx="984353" cy="420657"/>
+          </a:xfrm>
+          <a:prstGeom prst="rect">
+            <a:avLst/>
+          </a:prstGeom>
+        </p:spPr>
+      </p:pic>
+      <p:sp>
+        <p:nvSpPr>
+          <p:cNvPr id="20" name="Rectangle 19">
+            <a:extLst>
+              <a:ext uri="{FF2B5EF4-FFF2-40B4-BE49-F238E27FC236}">
+                <a16:creationId xmlns:a16="http://schemas.microsoft.com/office/drawing/2014/main" id="{6DC74CAE-06DD-4436-AD97-FECE24EE6022}"/>
+              </a:ext>
+            </a:extLst>
+          </p:cNvPr>
+          <p:cNvSpPr/>
+          <p:nvPr/>
+        </p:nvSpPr>
+        <p:spPr>
+          <a:xfrm>
+            <a:off x="5309635" y="2470026"/>
+            <a:ext cx="1278194" cy="676296"/>
+          </a:xfrm>
+          <a:prstGeom prst="rect">
+            <a:avLst/>
+          </a:prstGeom>
+          <a:noFill/>
+          <a:ln w="9525" cap="flat" cmpd="sng" algn="ctr">
+            <a:solidFill>
+              <a:schemeClr val="dk1"/>
+            </a:solidFill>
+            <a:prstDash val="solid"/>
+            <a:round/>
+            <a:headEnd type="none" w="med" len="med"/>
+            <a:tailEnd type="none" w="med" len="med"/>
+          </a:ln>
+        </p:spPr>
+        <p:style>
+          <a:lnRef idx="0">
+            <a:scrgbClr r="0" g="0" b="0"/>
+          </a:lnRef>
+          <a:fillRef idx="0">
+            <a:scrgbClr r="0" g="0" b="0"/>
+          </a:fillRef>
+          <a:effectRef idx="0">
+            <a:scrgbClr r="0" g="0" b="0"/>
+          </a:effectRef>
+          <a:fontRef idx="minor">
+            <a:schemeClr val="dk1"/>
+          </a:fontRef>
+        </p:style>
+        <p:txBody>
+          <a:bodyPr rtlCol="0" anchor="ctr"/>
+          <a:lstStyle/>
+          <a:p>
+            <a:pPr algn="ctr"/>
+            <a:r>
+              <a:rPr lang="en-GB" sz="1100" dirty="0"/>
+              <a:t>LDO Voltage regulator</a:t>
+            </a:r>
+          </a:p>
+        </p:txBody>
+      </p:sp>
+      <p:pic>
+        <p:nvPicPr>
+          <p:cNvPr id="1032" name="Picture 8" descr="Resultado de imagen de capacitor symbol">
+            <a:extLst>
+              <a:ext uri="{FF2B5EF4-FFF2-40B4-BE49-F238E27FC236}">
+                <a16:creationId xmlns:a16="http://schemas.microsoft.com/office/drawing/2014/main" id="{D7ABA5FA-190B-4C61-9C18-8060A5D05DF9}"/>
+              </a:ext>
+            </a:extLst>
+          </p:cNvPr>
+          <p:cNvPicPr>
+            <a:picLocks noChangeAspect="1" noChangeArrowheads="1"/>
+          </p:cNvPicPr>
+          <p:nvPr/>
+        </p:nvPicPr>
+        <p:blipFill rotWithShape="1">
+          <a:blip r:embed="rId8">
+            <a:extLst>
+              <a:ext uri="{28A0092B-C50C-407E-A947-70E740481C1C}">
+                <a14:useLocalDpi xmlns:a14="http://schemas.microsoft.com/office/drawing/2010/main" val="0"/>
+              </a:ext>
+            </a:extLst>
+          </a:blip>
+          <a:srcRect t="19981" b="23621"/>
+          <a:stretch/>
+        </p:blipFill>
+        <p:spPr bwMode="auto">
+          <a:xfrm rot="5400000">
+            <a:off x="4696997" y="3224225"/>
+            <a:ext cx="569433" cy="281805"/>
+          </a:xfrm>
+          <a:prstGeom prst="rect">
+            <a:avLst/>
+          </a:prstGeom>
+          <a:noFill/>
+          <a:extLst>
+            <a:ext uri="{909E8E84-426E-40DD-AFC4-6F175D3DCCD1}">
+              <a14:hiddenFill xmlns:a14="http://schemas.microsoft.com/office/drawing/2010/main">
+                <a:solidFill>
+                  <a:srgbClr val="FFFFFF"/>
+                </a:solidFill>
+              </a14:hiddenFill>
+            </a:ext>
+          </a:extLst>
+        </p:spPr>
+      </p:pic>
       <p:cxnSp>
         <p:nvCxnSpPr>
-          <p:cNvPr id="8" name="Straight Arrow Connector 7">
-            <a:extLst>
-              <a:ext uri="{FF2B5EF4-FFF2-40B4-BE49-F238E27FC236}">
-                <a16:creationId xmlns:a16="http://schemas.microsoft.com/office/drawing/2014/main" id="{BBD33B69-970C-4138-A516-6076E4256B21}"/>
+          <p:cNvPr id="23" name="Straight Connector 22">
+            <a:extLst>
+              <a:ext uri="{FF2B5EF4-FFF2-40B4-BE49-F238E27FC236}">
+                <a16:creationId xmlns:a16="http://schemas.microsoft.com/office/drawing/2014/main" id="{938C6EE3-40FA-46A3-9873-284E097C6224}"/>
               </a:ext>
             </a:extLst>
           </p:cNvPr>
           <p:cNvCxnSpPr>
-            <a:stCxn id="4" idx="3"/>
-            <a:endCxn id="6" idx="1"/>
+            <a:cxnSpLocks/>
           </p:cNvCxnSpPr>
           <p:nvPr/>
         </p:nvCxnSpPr>
         <p:spPr>
-          <a:xfrm>
-            <a:off x="3930072" y="3428996"/>
-            <a:ext cx="736600" cy="1"/>
-          </a:xfrm>
-          <a:prstGeom prst="straightConnector1">
+          <a:xfrm flipV="1">
+            <a:off x="4725961" y="2820874"/>
+            <a:ext cx="581134" cy="1"/>
+          </a:xfrm>
+          <a:prstGeom prst="line">
             <a:avLst/>
           </a:prstGeom>
-          <a:ln w="88900" cap="flat">
+          <a:ln w="12700">
             <a:solidFill>
-              <a:schemeClr val="accent2">
-                <a:lumMod val="75000"/>
-              </a:schemeClr>
+              <a:schemeClr val="tx1"/>
             </a:solidFill>
-            <a:miter lim="800000"/>
-            <a:headEnd w="lg" len="lg"/>
-            <a:tailEnd type="triangle"/>
           </a:ln>
         </p:spPr>
         <p:style>
@@ -3553,33 +4045,426 @@
       </p:cxnSp>
       <p:cxnSp>
         <p:nvCxnSpPr>
-          <p:cNvPr id="9" name="Straight Arrow Connector 8">
-            <a:extLst>
-              <a:ext uri="{FF2B5EF4-FFF2-40B4-BE49-F238E27FC236}">
-                <a16:creationId xmlns:a16="http://schemas.microsoft.com/office/drawing/2014/main" id="{72BFFF2F-9897-4A05-9C5D-305DCD489BED}"/>
-              </a:ext>
-            </a:extLst>
-          </p:cNvPr>
-          <p:cNvCxnSpPr/>
+          <p:cNvPr id="27" name="Straight Connector 26">
+            <a:extLst>
+              <a:ext uri="{FF2B5EF4-FFF2-40B4-BE49-F238E27FC236}">
+                <a16:creationId xmlns:a16="http://schemas.microsoft.com/office/drawing/2014/main" id="{D7153783-B32B-49A9-BA9C-548AB07EC5BB}"/>
+              </a:ext>
+            </a:extLst>
+          </p:cNvPr>
+          <p:cNvCxnSpPr>
+            <a:cxnSpLocks/>
+          </p:cNvCxnSpPr>
           <p:nvPr/>
         </p:nvCxnSpPr>
         <p:spPr>
-          <a:xfrm>
-            <a:off x="7525327" y="3429000"/>
-            <a:ext cx="736600" cy="1"/>
-          </a:xfrm>
-          <a:prstGeom prst="straightConnector1">
+          <a:xfrm flipV="1">
+            <a:off x="4971957" y="2822710"/>
+            <a:ext cx="0" cy="273898"/>
+          </a:xfrm>
+          <a:prstGeom prst="line">
             <a:avLst/>
           </a:prstGeom>
-          <a:ln w="88900" cap="flat">
+          <a:ln w="12700">
             <a:solidFill>
-              <a:schemeClr val="accent2">
-                <a:lumMod val="75000"/>
-              </a:schemeClr>
+              <a:schemeClr val="tx1"/>
             </a:solidFill>
-            <a:miter lim="800000"/>
-            <a:headEnd w="lg" len="lg"/>
-            <a:tailEnd type="triangle"/>
+          </a:ln>
+        </p:spPr>
+        <p:style>
+          <a:lnRef idx="1">
+            <a:schemeClr val="accent1"/>
+          </a:lnRef>
+          <a:fillRef idx="0">
+            <a:schemeClr val="accent1"/>
+          </a:fillRef>
+          <a:effectRef idx="0">
+            <a:schemeClr val="accent1"/>
+          </a:effectRef>
+          <a:fontRef idx="minor">
+            <a:schemeClr val="tx1"/>
+          </a:fontRef>
+        </p:style>
+      </p:cxnSp>
+      <p:cxnSp>
+        <p:nvCxnSpPr>
+          <p:cNvPr id="34" name="Straight Connector 33">
+            <a:extLst>
+              <a:ext uri="{FF2B5EF4-FFF2-40B4-BE49-F238E27FC236}">
+                <a16:creationId xmlns:a16="http://schemas.microsoft.com/office/drawing/2014/main" id="{352E88B5-E78C-46DE-B700-8F032B866E70}"/>
+              </a:ext>
+            </a:extLst>
+          </p:cNvPr>
+          <p:cNvCxnSpPr>
+            <a:cxnSpLocks/>
+          </p:cNvCxnSpPr>
+          <p:nvPr/>
+        </p:nvCxnSpPr>
+        <p:spPr>
+          <a:xfrm flipV="1">
+            <a:off x="4970687" y="3598045"/>
+            <a:ext cx="0" cy="273898"/>
+          </a:xfrm>
+          <a:prstGeom prst="line">
+            <a:avLst/>
+          </a:prstGeom>
+          <a:ln w="12700">
+            <a:solidFill>
+              <a:schemeClr val="tx1"/>
+            </a:solidFill>
+          </a:ln>
+        </p:spPr>
+        <p:style>
+          <a:lnRef idx="1">
+            <a:schemeClr val="accent1"/>
+          </a:lnRef>
+          <a:fillRef idx="0">
+            <a:schemeClr val="accent1"/>
+          </a:fillRef>
+          <a:effectRef idx="0">
+            <a:schemeClr val="accent1"/>
+          </a:effectRef>
+          <a:fontRef idx="minor">
+            <a:schemeClr val="tx1"/>
+          </a:fontRef>
+        </p:style>
+      </p:cxnSp>
+      <p:cxnSp>
+        <p:nvCxnSpPr>
+          <p:cNvPr id="35" name="Straight Connector 34">
+            <a:extLst>
+              <a:ext uri="{FF2B5EF4-FFF2-40B4-BE49-F238E27FC236}">
+                <a16:creationId xmlns:a16="http://schemas.microsoft.com/office/drawing/2014/main" id="{44DF3F28-4655-4034-B268-4F304449168C}"/>
+              </a:ext>
+            </a:extLst>
+          </p:cNvPr>
+          <p:cNvCxnSpPr>
+            <a:cxnSpLocks/>
+          </p:cNvCxnSpPr>
+          <p:nvPr/>
+        </p:nvCxnSpPr>
+        <p:spPr>
+          <a:xfrm flipV="1">
+            <a:off x="6587829" y="2803651"/>
+            <a:ext cx="581134" cy="1"/>
+          </a:xfrm>
+          <a:prstGeom prst="line">
+            <a:avLst/>
+          </a:prstGeom>
+          <a:ln w="12700">
+            <a:solidFill>
+              <a:schemeClr val="tx1"/>
+            </a:solidFill>
+          </a:ln>
+        </p:spPr>
+        <p:style>
+          <a:lnRef idx="1">
+            <a:schemeClr val="accent1"/>
+          </a:lnRef>
+          <a:fillRef idx="0">
+            <a:schemeClr val="accent1"/>
+          </a:fillRef>
+          <a:effectRef idx="0">
+            <a:schemeClr val="accent1"/>
+          </a:effectRef>
+          <a:fontRef idx="minor">
+            <a:schemeClr val="tx1"/>
+          </a:fontRef>
+        </p:style>
+      </p:cxnSp>
+      <p:cxnSp>
+        <p:nvCxnSpPr>
+          <p:cNvPr id="36" name="Straight Connector 35">
+            <a:extLst>
+              <a:ext uri="{FF2B5EF4-FFF2-40B4-BE49-F238E27FC236}">
+                <a16:creationId xmlns:a16="http://schemas.microsoft.com/office/drawing/2014/main" id="{AC83C072-B4D0-4735-B7CC-1F89A94E4D77}"/>
+              </a:ext>
+            </a:extLst>
+          </p:cNvPr>
+          <p:cNvCxnSpPr>
+            <a:cxnSpLocks/>
+          </p:cNvCxnSpPr>
+          <p:nvPr/>
+        </p:nvCxnSpPr>
+        <p:spPr>
+          <a:xfrm flipV="1">
+            <a:off x="7690199" y="2803650"/>
+            <a:ext cx="581134" cy="1"/>
+          </a:xfrm>
+          <a:prstGeom prst="line">
+            <a:avLst/>
+          </a:prstGeom>
+          <a:ln w="12700">
+            <a:solidFill>
+              <a:schemeClr val="tx1"/>
+            </a:solidFill>
+          </a:ln>
+        </p:spPr>
+        <p:style>
+          <a:lnRef idx="1">
+            <a:schemeClr val="accent1"/>
+          </a:lnRef>
+          <a:fillRef idx="0">
+            <a:schemeClr val="accent1"/>
+          </a:fillRef>
+          <a:effectRef idx="0">
+            <a:schemeClr val="accent1"/>
+          </a:effectRef>
+          <a:fontRef idx="minor">
+            <a:schemeClr val="tx1"/>
+          </a:fontRef>
+        </p:style>
+      </p:cxnSp>
+      <p:cxnSp>
+        <p:nvCxnSpPr>
+          <p:cNvPr id="37" name="Straight Connector 36">
+            <a:extLst>
+              <a:ext uri="{FF2B5EF4-FFF2-40B4-BE49-F238E27FC236}">
+                <a16:creationId xmlns:a16="http://schemas.microsoft.com/office/drawing/2014/main" id="{82D8A401-30A6-4799-AB24-340464D8A6F0}"/>
+              </a:ext>
+            </a:extLst>
+          </p:cNvPr>
+          <p:cNvCxnSpPr>
+            <a:cxnSpLocks/>
+          </p:cNvCxnSpPr>
+          <p:nvPr/>
+        </p:nvCxnSpPr>
+        <p:spPr>
+          <a:xfrm flipV="1">
+            <a:off x="7002687" y="2803650"/>
+            <a:ext cx="0" cy="1067700"/>
+          </a:xfrm>
+          <a:prstGeom prst="line">
+            <a:avLst/>
+          </a:prstGeom>
+          <a:ln w="12700">
+            <a:solidFill>
+              <a:schemeClr val="tx1"/>
+            </a:solidFill>
+          </a:ln>
+        </p:spPr>
+        <p:style>
+          <a:lnRef idx="1">
+            <a:schemeClr val="accent1"/>
+          </a:lnRef>
+          <a:fillRef idx="0">
+            <a:schemeClr val="accent1"/>
+          </a:fillRef>
+          <a:effectRef idx="0">
+            <a:schemeClr val="accent1"/>
+          </a:effectRef>
+          <a:fontRef idx="minor">
+            <a:schemeClr val="tx1"/>
+          </a:fontRef>
+        </p:style>
+      </p:cxnSp>
+      <p:cxnSp>
+        <p:nvCxnSpPr>
+          <p:cNvPr id="39" name="Straight Connector 38">
+            <a:extLst>
+              <a:ext uri="{FF2B5EF4-FFF2-40B4-BE49-F238E27FC236}">
+                <a16:creationId xmlns:a16="http://schemas.microsoft.com/office/drawing/2014/main" id="{BAA53EAF-E589-4F99-BEEF-2A6DB0B72740}"/>
+              </a:ext>
+            </a:extLst>
+          </p:cNvPr>
+          <p:cNvCxnSpPr>
+            <a:cxnSpLocks/>
+          </p:cNvCxnSpPr>
+          <p:nvPr/>
+        </p:nvCxnSpPr>
+        <p:spPr>
+          <a:xfrm flipV="1">
+            <a:off x="4970687" y="3867044"/>
+            <a:ext cx="2032000" cy="4307"/>
+          </a:xfrm>
+          <a:prstGeom prst="line">
+            <a:avLst/>
+          </a:prstGeom>
+          <a:ln w="12700">
+            <a:solidFill>
+              <a:schemeClr val="tx1"/>
+            </a:solidFill>
+          </a:ln>
+        </p:spPr>
+        <p:style>
+          <a:lnRef idx="1">
+            <a:schemeClr val="accent1"/>
+          </a:lnRef>
+          <a:fillRef idx="0">
+            <a:schemeClr val="accent1"/>
+          </a:fillRef>
+          <a:effectRef idx="0">
+            <a:schemeClr val="accent1"/>
+          </a:effectRef>
+          <a:fontRef idx="minor">
+            <a:schemeClr val="tx1"/>
+          </a:fontRef>
+        </p:style>
+      </p:cxnSp>
+      <p:cxnSp>
+        <p:nvCxnSpPr>
+          <p:cNvPr id="47" name="Straight Connector 46">
+            <a:extLst>
+              <a:ext uri="{FF2B5EF4-FFF2-40B4-BE49-F238E27FC236}">
+                <a16:creationId xmlns:a16="http://schemas.microsoft.com/office/drawing/2014/main" id="{DE0BD103-264E-4018-B086-269DE9AD1405}"/>
+              </a:ext>
+            </a:extLst>
+          </p:cNvPr>
+          <p:cNvCxnSpPr>
+            <a:cxnSpLocks/>
+          </p:cNvCxnSpPr>
+          <p:nvPr/>
+        </p:nvCxnSpPr>
+        <p:spPr>
+          <a:xfrm flipV="1">
+            <a:off x="8143910" y="6176432"/>
+            <a:ext cx="0" cy="43988"/>
+          </a:xfrm>
+          <a:prstGeom prst="line">
+            <a:avLst/>
+          </a:prstGeom>
+          <a:ln w="12700">
+            <a:solidFill>
+              <a:schemeClr val="tx1"/>
+            </a:solidFill>
+          </a:ln>
+        </p:spPr>
+        <p:style>
+          <a:lnRef idx="1">
+            <a:schemeClr val="accent1"/>
+          </a:lnRef>
+          <a:fillRef idx="0">
+            <a:schemeClr val="accent1"/>
+          </a:fillRef>
+          <a:effectRef idx="0">
+            <a:schemeClr val="accent1"/>
+          </a:effectRef>
+          <a:fontRef idx="minor">
+            <a:schemeClr val="tx1"/>
+          </a:fontRef>
+        </p:style>
+      </p:cxnSp>
+      <p:pic>
+        <p:nvPicPr>
+          <p:cNvPr id="45" name="Picture 44">
+            <a:extLst>
+              <a:ext uri="{FF2B5EF4-FFF2-40B4-BE49-F238E27FC236}">
+                <a16:creationId xmlns:a16="http://schemas.microsoft.com/office/drawing/2014/main" id="{97E62D66-A6A7-4743-8933-DE495BBC343A}"/>
+              </a:ext>
+            </a:extLst>
+          </p:cNvPr>
+          <p:cNvPicPr>
+            <a:picLocks noChangeAspect="1"/>
+          </p:cNvPicPr>
+          <p:nvPr/>
+        </p:nvPicPr>
+        <p:blipFill>
+          <a:blip r:embed="rId9">
+            <a:extLst>
+              <a:ext uri="{BEBA8EAE-BF5A-486C-A8C5-ECC9F3942E4B}">
+                <a14:imgProps xmlns:a14="http://schemas.microsoft.com/office/drawing/2010/main">
+                  <a14:imgLayer r:embed="rId10">
+                    <a14:imgEffect>
+                      <a14:sharpenSoften amount="50000"/>
+                    </a14:imgEffect>
+                  </a14:imgLayer>
+                </a14:imgProps>
+              </a:ext>
+            </a:extLst>
+          </a:blip>
+          <a:stretch>
+            <a:fillRect/>
+          </a:stretch>
+        </p:blipFill>
+        <p:spPr>
+          <a:xfrm>
+            <a:off x="9810803" y="3142755"/>
+            <a:ext cx="2079614" cy="1649395"/>
+          </a:xfrm>
+          <a:prstGeom prst="rect">
+            <a:avLst/>
+          </a:prstGeom>
+          <a:ln>
+            <a:noFill/>
+          </a:ln>
+          <a:effectLst>
+            <a:softEdge rad="112500"/>
+          </a:effectLst>
+        </p:spPr>
+      </p:pic>
+      <p:pic>
+        <p:nvPicPr>
+          <p:cNvPr id="1040" name="Picture 16" descr="Resultado de imagen de LED symbol">
+            <a:extLst>
+              <a:ext uri="{FF2B5EF4-FFF2-40B4-BE49-F238E27FC236}">
+                <a16:creationId xmlns:a16="http://schemas.microsoft.com/office/drawing/2014/main" id="{7D350C41-82BA-4227-9107-D613A5241BA9}"/>
+              </a:ext>
+            </a:extLst>
+          </p:cNvPr>
+          <p:cNvPicPr>
+            <a:picLocks noChangeAspect="1" noChangeArrowheads="1"/>
+          </p:cNvPicPr>
+          <p:nvPr/>
+        </p:nvPicPr>
+        <p:blipFill>
+          <a:blip r:embed="rId11">
+            <a:extLst>
+              <a:ext uri="{28A0092B-C50C-407E-A947-70E740481C1C}">
+                <a14:useLocalDpi xmlns:a14="http://schemas.microsoft.com/office/drawing/2010/main" val="0"/>
+              </a:ext>
+            </a:extLst>
+          </a:blip>
+          <a:srcRect/>
+          <a:stretch>
+            <a:fillRect/>
+          </a:stretch>
+        </p:blipFill>
+        <p:spPr bwMode="auto">
+          <a:xfrm rot="5400000">
+            <a:off x="9095443" y="2939461"/>
+            <a:ext cx="893587" cy="575957"/>
+          </a:xfrm>
+          <a:prstGeom prst="rect">
+            <a:avLst/>
+          </a:prstGeom>
+          <a:noFill/>
+          <a:extLst>
+            <a:ext uri="{909E8E84-426E-40DD-AFC4-6F175D3DCCD1}">
+              <a14:hiddenFill xmlns:a14="http://schemas.microsoft.com/office/drawing/2010/main">
+                <a:solidFill>
+                  <a:srgbClr val="FFFFFF"/>
+                </a:solidFill>
+              </a14:hiddenFill>
+            </a:ext>
+          </a:extLst>
+        </p:spPr>
+      </p:pic>
+      <p:cxnSp>
+        <p:nvCxnSpPr>
+          <p:cNvPr id="59" name="Straight Connector 58">
+            <a:extLst>
+              <a:ext uri="{FF2B5EF4-FFF2-40B4-BE49-F238E27FC236}">
+                <a16:creationId xmlns:a16="http://schemas.microsoft.com/office/drawing/2014/main" id="{512DBDE7-C25B-4B16-A418-5F8C25D3AC81}"/>
+              </a:ext>
+            </a:extLst>
+          </p:cNvPr>
+          <p:cNvCxnSpPr>
+            <a:cxnSpLocks/>
+          </p:cNvCxnSpPr>
+          <p:nvPr/>
+        </p:nvCxnSpPr>
+        <p:spPr>
+          <a:xfrm flipV="1">
+            <a:off x="8896593" y="2803649"/>
+            <a:ext cx="581134" cy="1"/>
+          </a:xfrm>
+          <a:prstGeom prst="line">
+            <a:avLst/>
+          </a:prstGeom>
+          <a:ln w="12700">
+            <a:solidFill>
+              <a:schemeClr val="tx1"/>
+            </a:solidFill>
           </a:ln>
         </p:spPr>
         <p:style>
@@ -3627,6 +4512,564 @@
           <a:chExt cx="0" cy="0"/>
         </a:xfrm>
       </p:grpSpPr>
+      <p:pic>
+        <p:nvPicPr>
+          <p:cNvPr id="10" name="Picture 9">
+            <a:extLst>
+              <a:ext uri="{FF2B5EF4-FFF2-40B4-BE49-F238E27FC236}">
+                <a16:creationId xmlns:a16="http://schemas.microsoft.com/office/drawing/2014/main" id="{B2B4D265-37A7-4093-91A5-AF3E356BF40A}"/>
+              </a:ext>
+            </a:extLst>
+          </p:cNvPr>
+          <p:cNvPicPr>
+            <a:picLocks noChangeAspect="1"/>
+          </p:cNvPicPr>
+          <p:nvPr/>
+        </p:nvPicPr>
+        <p:blipFill>
+          <a:blip r:embed="rId2"/>
+          <a:stretch>
+            <a:fillRect/>
+          </a:stretch>
+        </p:blipFill>
+        <p:spPr>
+          <a:xfrm rot="5400000">
+            <a:off x="7365429" y="3488907"/>
+            <a:ext cx="1516789" cy="547504"/>
+          </a:xfrm>
+          <a:prstGeom prst="rect">
+            <a:avLst/>
+          </a:prstGeom>
+        </p:spPr>
+      </p:pic>
+      <p:pic>
+        <p:nvPicPr>
+          <p:cNvPr id="1030" name="Picture 6" descr="Resultado de imagen de capacitor symbol">
+            <a:extLst>
+              <a:ext uri="{FF2B5EF4-FFF2-40B4-BE49-F238E27FC236}">
+                <a16:creationId xmlns:a16="http://schemas.microsoft.com/office/drawing/2014/main" id="{E5221795-119D-456E-BFB6-B052E96F6285}"/>
+              </a:ext>
+            </a:extLst>
+          </p:cNvPr>
+          <p:cNvPicPr>
+            <a:picLocks noChangeAspect="1" noChangeArrowheads="1"/>
+          </p:cNvPicPr>
+          <p:nvPr/>
+        </p:nvPicPr>
+        <p:blipFill>
+          <a:blip r:embed="rId3">
+            <a:extLst>
+              <a:ext uri="{28A0092B-C50C-407E-A947-70E740481C1C}">
+                <a14:useLocalDpi xmlns:a14="http://schemas.microsoft.com/office/drawing/2010/main" val="0"/>
+              </a:ext>
+            </a:extLst>
+          </a:blip>
+          <a:srcRect/>
+          <a:stretch>
+            <a:fillRect/>
+          </a:stretch>
+        </p:blipFill>
+        <p:spPr bwMode="auto">
+          <a:xfrm rot="5400000">
+            <a:off x="5255128" y="3069211"/>
+            <a:ext cx="1515418" cy="1385525"/>
+          </a:xfrm>
+          <a:prstGeom prst="rect">
+            <a:avLst/>
+          </a:prstGeom>
+          <a:noFill/>
+          <a:extLst>
+            <a:ext uri="{909E8E84-426E-40DD-AFC4-6F175D3DCCD1}">
+              <a14:hiddenFill xmlns:a14="http://schemas.microsoft.com/office/drawing/2010/main">
+                <a:solidFill>
+                  <a:srgbClr val="FFFFFF"/>
+                </a:solidFill>
+              </a14:hiddenFill>
+            </a:ext>
+          </a:extLst>
+        </p:spPr>
+      </p:pic>
+      <p:pic>
+        <p:nvPicPr>
+          <p:cNvPr id="1032" name="Picture 8" descr="Resultado de imagen de resistor symbol">
+            <a:extLst>
+              <a:ext uri="{FF2B5EF4-FFF2-40B4-BE49-F238E27FC236}">
+                <a16:creationId xmlns:a16="http://schemas.microsoft.com/office/drawing/2014/main" id="{9DA43EE1-4672-41EF-9779-E918EC1ACE11}"/>
+              </a:ext>
+            </a:extLst>
+          </p:cNvPr>
+          <p:cNvPicPr>
+            <a:picLocks noChangeAspect="1" noChangeArrowheads="1"/>
+          </p:cNvPicPr>
+          <p:nvPr/>
+        </p:nvPicPr>
+        <p:blipFill>
+          <a:blip r:embed="rId4">
+            <a:extLst>
+              <a:ext uri="{28A0092B-C50C-407E-A947-70E740481C1C}">
+                <a14:useLocalDpi xmlns:a14="http://schemas.microsoft.com/office/drawing/2010/main" val="0"/>
+              </a:ext>
+            </a:extLst>
+          </a:blip>
+          <a:srcRect/>
+          <a:stretch>
+            <a:fillRect/>
+          </a:stretch>
+        </p:blipFill>
+        <p:spPr bwMode="auto">
+          <a:xfrm>
+            <a:off x="3409695" y="2155400"/>
+            <a:ext cx="1515419" cy="338444"/>
+          </a:xfrm>
+          <a:prstGeom prst="rect">
+            <a:avLst/>
+          </a:prstGeom>
+          <a:noFill/>
+          <a:extLst>
+            <a:ext uri="{909E8E84-426E-40DD-AFC4-6F175D3DCCD1}">
+              <a14:hiddenFill xmlns:a14="http://schemas.microsoft.com/office/drawing/2010/main">
+                <a:solidFill>
+                  <a:srgbClr val="FFFFFF"/>
+                </a:solidFill>
+              </a14:hiddenFill>
+            </a:ext>
+          </a:extLst>
+        </p:spPr>
+      </p:pic>
+      <p:cxnSp>
+        <p:nvCxnSpPr>
+          <p:cNvPr id="13" name="Straight Connector 12">
+            <a:extLst>
+              <a:ext uri="{FF2B5EF4-FFF2-40B4-BE49-F238E27FC236}">
+                <a16:creationId xmlns:a16="http://schemas.microsoft.com/office/drawing/2014/main" id="{FD367FDF-2A4B-41D4-9E8D-4BD75ADDAEB7}"/>
+              </a:ext>
+            </a:extLst>
+          </p:cNvPr>
+          <p:cNvCxnSpPr>
+            <a:cxnSpLocks/>
+          </p:cNvCxnSpPr>
+          <p:nvPr/>
+        </p:nvCxnSpPr>
+        <p:spPr>
+          <a:xfrm>
+            <a:off x="4909874" y="2330337"/>
+            <a:ext cx="3236137" cy="0"/>
+          </a:xfrm>
+          <a:prstGeom prst="line">
+            <a:avLst/>
+          </a:prstGeom>
+          <a:ln w="57150">
+            <a:solidFill>
+              <a:schemeClr val="tx1"/>
+            </a:solidFill>
+          </a:ln>
+        </p:spPr>
+        <p:style>
+          <a:lnRef idx="1">
+            <a:schemeClr val="accent1"/>
+          </a:lnRef>
+          <a:fillRef idx="0">
+            <a:schemeClr val="accent1"/>
+          </a:fillRef>
+          <a:effectRef idx="0">
+            <a:schemeClr val="accent1"/>
+          </a:effectRef>
+          <a:fontRef idx="minor">
+            <a:schemeClr val="tx1"/>
+          </a:fontRef>
+        </p:style>
+      </p:cxnSp>
+      <p:cxnSp>
+        <p:nvCxnSpPr>
+          <p:cNvPr id="15" name="Straight Connector 14">
+            <a:extLst>
+              <a:ext uri="{FF2B5EF4-FFF2-40B4-BE49-F238E27FC236}">
+                <a16:creationId xmlns:a16="http://schemas.microsoft.com/office/drawing/2014/main" id="{133DEADC-7A79-4CB0-9E3D-8C1DC3FA80DB}"/>
+              </a:ext>
+            </a:extLst>
+          </p:cNvPr>
+          <p:cNvCxnSpPr>
+            <a:cxnSpLocks/>
+          </p:cNvCxnSpPr>
+          <p:nvPr/>
+        </p:nvCxnSpPr>
+        <p:spPr>
+          <a:xfrm flipV="1">
+            <a:off x="8120014" y="2330337"/>
+            <a:ext cx="0" cy="673928"/>
+          </a:xfrm>
+          <a:prstGeom prst="line">
+            <a:avLst/>
+          </a:prstGeom>
+          <a:ln w="57150">
+            <a:solidFill>
+              <a:schemeClr val="tx1"/>
+            </a:solidFill>
+          </a:ln>
+        </p:spPr>
+        <p:style>
+          <a:lnRef idx="1">
+            <a:schemeClr val="accent1"/>
+          </a:lnRef>
+          <a:fillRef idx="0">
+            <a:schemeClr val="accent1"/>
+          </a:fillRef>
+          <a:effectRef idx="0">
+            <a:schemeClr val="accent1"/>
+          </a:effectRef>
+          <a:fontRef idx="minor">
+            <a:schemeClr val="tx1"/>
+          </a:fontRef>
+        </p:style>
+      </p:cxnSp>
+      <p:cxnSp>
+        <p:nvCxnSpPr>
+          <p:cNvPr id="21" name="Straight Connector 20">
+            <a:extLst>
+              <a:ext uri="{FF2B5EF4-FFF2-40B4-BE49-F238E27FC236}">
+                <a16:creationId xmlns:a16="http://schemas.microsoft.com/office/drawing/2014/main" id="{05067A40-0508-4F92-86F2-FCFA7AE467EB}"/>
+              </a:ext>
+            </a:extLst>
+          </p:cNvPr>
+          <p:cNvCxnSpPr>
+            <a:cxnSpLocks/>
+          </p:cNvCxnSpPr>
+          <p:nvPr/>
+        </p:nvCxnSpPr>
+        <p:spPr>
+          <a:xfrm flipV="1">
+            <a:off x="6013084" y="2357007"/>
+            <a:ext cx="0" cy="673928"/>
+          </a:xfrm>
+          <a:prstGeom prst="line">
+            <a:avLst/>
+          </a:prstGeom>
+          <a:ln w="38100">
+            <a:solidFill>
+              <a:schemeClr val="tx1"/>
+            </a:solidFill>
+          </a:ln>
+        </p:spPr>
+        <p:style>
+          <a:lnRef idx="1">
+            <a:schemeClr val="accent1"/>
+          </a:lnRef>
+          <a:fillRef idx="0">
+            <a:schemeClr val="accent1"/>
+          </a:fillRef>
+          <a:effectRef idx="0">
+            <a:schemeClr val="accent1"/>
+          </a:effectRef>
+          <a:fontRef idx="minor">
+            <a:schemeClr val="tx1"/>
+          </a:fontRef>
+        </p:style>
+      </p:cxnSp>
+      <p:cxnSp>
+        <p:nvCxnSpPr>
+          <p:cNvPr id="22" name="Straight Connector 21">
+            <a:extLst>
+              <a:ext uri="{FF2B5EF4-FFF2-40B4-BE49-F238E27FC236}">
+                <a16:creationId xmlns:a16="http://schemas.microsoft.com/office/drawing/2014/main" id="{97917D10-E812-498D-81CE-6F6BE9D0810F}"/>
+              </a:ext>
+            </a:extLst>
+          </p:cNvPr>
+          <p:cNvCxnSpPr>
+            <a:cxnSpLocks/>
+          </p:cNvCxnSpPr>
+          <p:nvPr/>
+        </p:nvCxnSpPr>
+        <p:spPr>
+          <a:xfrm flipV="1">
+            <a:off x="8120014" y="4482733"/>
+            <a:ext cx="0" cy="673928"/>
+          </a:xfrm>
+          <a:prstGeom prst="line">
+            <a:avLst/>
+          </a:prstGeom>
+          <a:ln w="57150">
+            <a:solidFill>
+              <a:schemeClr val="tx1"/>
+            </a:solidFill>
+          </a:ln>
+        </p:spPr>
+        <p:style>
+          <a:lnRef idx="1">
+            <a:schemeClr val="accent1"/>
+          </a:lnRef>
+          <a:fillRef idx="0">
+            <a:schemeClr val="accent1"/>
+          </a:fillRef>
+          <a:effectRef idx="0">
+            <a:schemeClr val="accent1"/>
+          </a:effectRef>
+          <a:fontRef idx="minor">
+            <a:schemeClr val="tx1"/>
+          </a:fontRef>
+        </p:style>
+      </p:cxnSp>
+      <p:cxnSp>
+        <p:nvCxnSpPr>
+          <p:cNvPr id="23" name="Straight Connector 22">
+            <a:extLst>
+              <a:ext uri="{FF2B5EF4-FFF2-40B4-BE49-F238E27FC236}">
+                <a16:creationId xmlns:a16="http://schemas.microsoft.com/office/drawing/2014/main" id="{2AE2E44C-5785-4CCB-ABFA-D038B2696BAE}"/>
+              </a:ext>
+            </a:extLst>
+          </p:cNvPr>
+          <p:cNvCxnSpPr>
+            <a:cxnSpLocks/>
+          </p:cNvCxnSpPr>
+          <p:nvPr/>
+        </p:nvCxnSpPr>
+        <p:spPr>
+          <a:xfrm flipV="1">
+            <a:off x="6013084" y="4440943"/>
+            <a:ext cx="0" cy="673928"/>
+          </a:xfrm>
+          <a:prstGeom prst="line">
+            <a:avLst/>
+          </a:prstGeom>
+          <a:ln w="38100">
+            <a:solidFill>
+              <a:schemeClr val="tx1"/>
+            </a:solidFill>
+          </a:ln>
+        </p:spPr>
+        <p:style>
+          <a:lnRef idx="1">
+            <a:schemeClr val="accent1"/>
+          </a:lnRef>
+          <a:fillRef idx="0">
+            <a:schemeClr val="accent1"/>
+          </a:fillRef>
+          <a:effectRef idx="0">
+            <a:schemeClr val="accent1"/>
+          </a:effectRef>
+          <a:fontRef idx="minor">
+            <a:schemeClr val="tx1"/>
+          </a:fontRef>
+        </p:style>
+      </p:cxnSp>
+      <p:cxnSp>
+        <p:nvCxnSpPr>
+          <p:cNvPr id="24" name="Straight Connector 23">
+            <a:extLst>
+              <a:ext uri="{FF2B5EF4-FFF2-40B4-BE49-F238E27FC236}">
+                <a16:creationId xmlns:a16="http://schemas.microsoft.com/office/drawing/2014/main" id="{ECC98664-8FE5-4ECA-87E9-24325610B630}"/>
+              </a:ext>
+            </a:extLst>
+          </p:cNvPr>
+          <p:cNvCxnSpPr>
+            <a:cxnSpLocks/>
+          </p:cNvCxnSpPr>
+          <p:nvPr/>
+        </p:nvCxnSpPr>
+        <p:spPr>
+          <a:xfrm>
+            <a:off x="2505456" y="5114871"/>
+            <a:ext cx="5640555" cy="22627"/>
+          </a:xfrm>
+          <a:prstGeom prst="line">
+            <a:avLst/>
+          </a:prstGeom>
+          <a:ln w="57150">
+            <a:solidFill>
+              <a:schemeClr val="tx1"/>
+            </a:solidFill>
+          </a:ln>
+        </p:spPr>
+        <p:style>
+          <a:lnRef idx="1">
+            <a:schemeClr val="accent1"/>
+          </a:lnRef>
+          <a:fillRef idx="0">
+            <a:schemeClr val="accent1"/>
+          </a:fillRef>
+          <a:effectRef idx="0">
+            <a:schemeClr val="accent1"/>
+          </a:effectRef>
+          <a:fontRef idx="minor">
+            <a:schemeClr val="tx1"/>
+          </a:fontRef>
+        </p:style>
+      </p:cxnSp>
+      <p:cxnSp>
+        <p:nvCxnSpPr>
+          <p:cNvPr id="26" name="Straight Connector 25">
+            <a:extLst>
+              <a:ext uri="{FF2B5EF4-FFF2-40B4-BE49-F238E27FC236}">
+                <a16:creationId xmlns:a16="http://schemas.microsoft.com/office/drawing/2014/main" id="{EFFE9618-63F6-4190-9216-82DD524AA7F4}"/>
+              </a:ext>
+            </a:extLst>
+          </p:cNvPr>
+          <p:cNvCxnSpPr>
+            <a:cxnSpLocks/>
+          </p:cNvCxnSpPr>
+          <p:nvPr/>
+        </p:nvCxnSpPr>
+        <p:spPr>
+          <a:xfrm flipV="1">
+            <a:off x="2506980" y="2324622"/>
+            <a:ext cx="948435" cy="5715"/>
+          </a:xfrm>
+          <a:prstGeom prst="line">
+            <a:avLst/>
+          </a:prstGeom>
+          <a:ln w="57150">
+            <a:solidFill>
+              <a:schemeClr val="tx1"/>
+            </a:solidFill>
+          </a:ln>
+        </p:spPr>
+        <p:style>
+          <a:lnRef idx="1">
+            <a:schemeClr val="accent1"/>
+          </a:lnRef>
+          <a:fillRef idx="0">
+            <a:schemeClr val="accent1"/>
+          </a:fillRef>
+          <a:effectRef idx="0">
+            <a:schemeClr val="accent1"/>
+          </a:effectRef>
+          <a:fontRef idx="minor">
+            <a:schemeClr val="tx1"/>
+          </a:fontRef>
+        </p:style>
+      </p:cxnSp>
+      <p:pic>
+        <p:nvPicPr>
+          <p:cNvPr id="1034" name="Picture 10" descr="Resultado de imagen de AC source symbol">
+            <a:extLst>
+              <a:ext uri="{FF2B5EF4-FFF2-40B4-BE49-F238E27FC236}">
+                <a16:creationId xmlns:a16="http://schemas.microsoft.com/office/drawing/2014/main" id="{EC7A7265-6B68-453E-A52A-53450488B0D2}"/>
+              </a:ext>
+            </a:extLst>
+          </p:cNvPr>
+          <p:cNvPicPr>
+            <a:picLocks noChangeAspect="1" noChangeArrowheads="1"/>
+          </p:cNvPicPr>
+          <p:nvPr/>
+        </p:nvPicPr>
+        <p:blipFill>
+          <a:blip r:embed="rId5">
+            <a:extLst>
+              <a:ext uri="{28A0092B-C50C-407E-A947-70E740481C1C}">
+                <a14:useLocalDpi xmlns:a14="http://schemas.microsoft.com/office/drawing/2010/main" val="0"/>
+              </a:ext>
+            </a:extLst>
+          </a:blip>
+          <a:srcRect/>
+          <a:stretch>
+            <a:fillRect/>
+          </a:stretch>
+        </p:blipFill>
+        <p:spPr bwMode="auto">
+          <a:xfrm>
+            <a:off x="1608622" y="2865139"/>
+            <a:ext cx="1793667" cy="1793667"/>
+          </a:xfrm>
+          <a:prstGeom prst="rect">
+            <a:avLst/>
+          </a:prstGeom>
+          <a:noFill/>
+          <a:extLst>
+            <a:ext uri="{909E8E84-426E-40DD-AFC4-6F175D3DCCD1}">
+              <a14:hiddenFill xmlns:a14="http://schemas.microsoft.com/office/drawing/2010/main">
+                <a:solidFill>
+                  <a:srgbClr val="FFFFFF"/>
+                </a:solidFill>
+              </a14:hiddenFill>
+            </a:ext>
+          </a:extLst>
+        </p:spPr>
+      </p:pic>
+      <p:cxnSp>
+        <p:nvCxnSpPr>
+          <p:cNvPr id="29" name="Straight Connector 28">
+            <a:extLst>
+              <a:ext uri="{FF2B5EF4-FFF2-40B4-BE49-F238E27FC236}">
+                <a16:creationId xmlns:a16="http://schemas.microsoft.com/office/drawing/2014/main" id="{7CD0B324-320C-4238-9BF7-CF5DA8DC6132}"/>
+              </a:ext>
+            </a:extLst>
+          </p:cNvPr>
+          <p:cNvCxnSpPr>
+            <a:cxnSpLocks/>
+          </p:cNvCxnSpPr>
+          <p:nvPr/>
+        </p:nvCxnSpPr>
+        <p:spPr>
+          <a:xfrm flipH="1">
+            <a:off x="2497836" y="4519683"/>
+            <a:ext cx="3809" cy="621857"/>
+          </a:xfrm>
+          <a:prstGeom prst="line">
+            <a:avLst/>
+          </a:prstGeom>
+          <a:ln w="57150">
+            <a:solidFill>
+              <a:schemeClr val="tx1"/>
+            </a:solidFill>
+          </a:ln>
+        </p:spPr>
+        <p:style>
+          <a:lnRef idx="1">
+            <a:schemeClr val="accent1"/>
+          </a:lnRef>
+          <a:fillRef idx="0">
+            <a:schemeClr val="accent1"/>
+          </a:fillRef>
+          <a:effectRef idx="0">
+            <a:schemeClr val="accent1"/>
+          </a:effectRef>
+          <a:fontRef idx="minor">
+            <a:schemeClr val="tx1"/>
+          </a:fontRef>
+        </p:style>
+      </p:cxnSp>
+      <p:cxnSp>
+        <p:nvCxnSpPr>
+          <p:cNvPr id="36" name="Straight Connector 35">
+            <a:extLst>
+              <a:ext uri="{FF2B5EF4-FFF2-40B4-BE49-F238E27FC236}">
+                <a16:creationId xmlns:a16="http://schemas.microsoft.com/office/drawing/2014/main" id="{5D33C9A0-C65F-44CF-9759-04A1EF952E69}"/>
+              </a:ext>
+            </a:extLst>
+          </p:cNvPr>
+          <p:cNvCxnSpPr>
+            <a:cxnSpLocks/>
+          </p:cNvCxnSpPr>
+          <p:nvPr/>
+        </p:nvCxnSpPr>
+        <p:spPr>
+          <a:xfrm>
+            <a:off x="2505455" y="2301649"/>
+            <a:ext cx="1" cy="725476"/>
+          </a:xfrm>
+          <a:prstGeom prst="line">
+            <a:avLst/>
+          </a:prstGeom>
+          <a:ln w="57150">
+            <a:solidFill>
+              <a:schemeClr val="tx1"/>
+            </a:solidFill>
+          </a:ln>
+        </p:spPr>
+        <p:style>
+          <a:lnRef idx="1">
+            <a:schemeClr val="accent1"/>
+          </a:lnRef>
+          <a:fillRef idx="0">
+            <a:schemeClr val="accent1"/>
+          </a:fillRef>
+          <a:effectRef idx="0">
+            <a:schemeClr val="accent1"/>
+          </a:effectRef>
+          <a:fontRef idx="minor">
+            <a:schemeClr val="tx1"/>
+          </a:fontRef>
+        </p:style>
+      </p:cxnSp>
     </p:spTree>
     <p:extLst>
       <p:ext uri="{BB962C8B-B14F-4D97-AF65-F5344CB8AC3E}">

--- a/Individual_Contribution/GabrielGaleote/ProjectDocuments/Pictures.pptx
+++ b/Individual_Contribution/GabrielGaleote/ProjectDocuments/Pictures.pptx
@@ -4617,8 +4617,8 @@
           </a:stretch>
         </p:blipFill>
         <p:spPr bwMode="auto">
-          <a:xfrm>
-            <a:off x="3409695" y="2155400"/>
+          <a:xfrm rot="5400000">
+            <a:off x="3889771" y="3615613"/>
             <a:ext cx="1515419" cy="338444"/>
           </a:xfrm>
           <a:prstGeom prst="rect">
@@ -4910,8 +4910,8 @@
         </p:nvCxnSpPr>
         <p:spPr>
           <a:xfrm flipV="1">
-            <a:off x="2506980" y="2324622"/>
-            <a:ext cx="948435" cy="5715"/>
+            <a:off x="2506980" y="2330337"/>
+            <a:ext cx="2637675" cy="1"/>
           </a:xfrm>
           <a:prstGeom prst="line">
             <a:avLst/>
@@ -5050,6 +5050,92 @@
             <a:avLst/>
           </a:prstGeom>
           <a:ln w="57150">
+            <a:solidFill>
+              <a:schemeClr val="tx1"/>
+            </a:solidFill>
+          </a:ln>
+        </p:spPr>
+        <p:style>
+          <a:lnRef idx="1">
+            <a:schemeClr val="accent1"/>
+          </a:lnRef>
+          <a:fillRef idx="0">
+            <a:schemeClr val="accent1"/>
+          </a:fillRef>
+          <a:effectRef idx="0">
+            <a:schemeClr val="accent1"/>
+          </a:effectRef>
+          <a:fontRef idx="minor">
+            <a:schemeClr val="tx1"/>
+          </a:fontRef>
+        </p:style>
+      </p:cxnSp>
+      <p:cxnSp>
+        <p:nvCxnSpPr>
+          <p:cNvPr id="16" name="Straight Connector 15">
+            <a:extLst>
+              <a:ext uri="{FF2B5EF4-FFF2-40B4-BE49-F238E27FC236}">
+                <a16:creationId xmlns:a16="http://schemas.microsoft.com/office/drawing/2014/main" id="{49983736-073F-4651-B05D-0CC1AE61AB15}"/>
+              </a:ext>
+            </a:extLst>
+          </p:cNvPr>
+          <p:cNvCxnSpPr>
+            <a:cxnSpLocks/>
+          </p:cNvCxnSpPr>
+          <p:nvPr/>
+        </p:nvCxnSpPr>
+        <p:spPr>
+          <a:xfrm flipV="1">
+            <a:off x="4643670" y="2357007"/>
+            <a:ext cx="0" cy="704824"/>
+          </a:xfrm>
+          <a:prstGeom prst="line">
+            <a:avLst/>
+          </a:prstGeom>
+          <a:ln w="38100">
+            <a:solidFill>
+              <a:schemeClr val="tx1"/>
+            </a:solidFill>
+          </a:ln>
+        </p:spPr>
+        <p:style>
+          <a:lnRef idx="1">
+            <a:schemeClr val="accent1"/>
+          </a:lnRef>
+          <a:fillRef idx="0">
+            <a:schemeClr val="accent1"/>
+          </a:fillRef>
+          <a:effectRef idx="0">
+            <a:schemeClr val="accent1"/>
+          </a:effectRef>
+          <a:fontRef idx="minor">
+            <a:schemeClr val="tx1"/>
+          </a:fontRef>
+        </p:style>
+      </p:cxnSp>
+      <p:cxnSp>
+        <p:nvCxnSpPr>
+          <p:cNvPr id="17" name="Straight Connector 16">
+            <a:extLst>
+              <a:ext uri="{FF2B5EF4-FFF2-40B4-BE49-F238E27FC236}">
+                <a16:creationId xmlns:a16="http://schemas.microsoft.com/office/drawing/2014/main" id="{824D3942-C773-4128-B3F5-834BB0B74C20}"/>
+              </a:ext>
+            </a:extLst>
+          </p:cNvPr>
+          <p:cNvCxnSpPr>
+            <a:cxnSpLocks/>
+          </p:cNvCxnSpPr>
+          <p:nvPr/>
+        </p:nvCxnSpPr>
+        <p:spPr>
+          <a:xfrm flipV="1">
+            <a:off x="4639860" y="4463570"/>
+            <a:ext cx="0" cy="673928"/>
+          </a:xfrm>
+          <a:prstGeom prst="line">
+            <a:avLst/>
+          </a:prstGeom>
+          <a:ln w="38100">
             <a:solidFill>
               <a:schemeClr val="tx1"/>
             </a:solidFill>

--- a/Individual_Contribution/GabrielGaleote/ProjectDocuments/Pictures.pptx
+++ b/Individual_Contribution/GabrielGaleote/ProjectDocuments/Pictures.pptx
@@ -6,8 +6,9 @@
   </p:sldMasterIdLst>
   <p:sldIdLst>
     <p:sldId id="256" r:id="rId2"/>
-    <p:sldId id="257" r:id="rId3"/>
-    <p:sldId id="258" r:id="rId4"/>
+    <p:sldId id="259" r:id="rId3"/>
+    <p:sldId id="257" r:id="rId4"/>
+    <p:sldId id="258" r:id="rId5"/>
   </p:sldIdLst>
   <p:sldSz cx="12192000" cy="6858000"/>
   <p:notesSz cx="6858000" cy="9144000"/>
@@ -274,7 +275,7 @@
           <a:p>
             <a:fld id="{A7FE2B3B-7532-403D-8C3E-95D2905F9BDB}" type="datetimeFigureOut">
               <a:rPr lang="es-ES" smtClean="0"/>
-              <a:t>16/06/2019</a:t>
+              <a:t>17/06/2019</a:t>
             </a:fld>
             <a:endParaRPr lang="es-ES"/>
           </a:p>
@@ -474,7 +475,7 @@
           <a:p>
             <a:fld id="{A7FE2B3B-7532-403D-8C3E-95D2905F9BDB}" type="datetimeFigureOut">
               <a:rPr lang="es-ES" smtClean="0"/>
-              <a:t>16/06/2019</a:t>
+              <a:t>17/06/2019</a:t>
             </a:fld>
             <a:endParaRPr lang="es-ES"/>
           </a:p>
@@ -684,7 +685,7 @@
           <a:p>
             <a:fld id="{A7FE2B3B-7532-403D-8C3E-95D2905F9BDB}" type="datetimeFigureOut">
               <a:rPr lang="es-ES" smtClean="0"/>
-              <a:t>16/06/2019</a:t>
+              <a:t>17/06/2019</a:t>
             </a:fld>
             <a:endParaRPr lang="es-ES"/>
           </a:p>
@@ -884,7 +885,7 @@
           <a:p>
             <a:fld id="{A7FE2B3B-7532-403D-8C3E-95D2905F9BDB}" type="datetimeFigureOut">
               <a:rPr lang="es-ES" smtClean="0"/>
-              <a:t>16/06/2019</a:t>
+              <a:t>17/06/2019</a:t>
             </a:fld>
             <a:endParaRPr lang="es-ES"/>
           </a:p>
@@ -1160,7 +1161,7 @@
           <a:p>
             <a:fld id="{A7FE2B3B-7532-403D-8C3E-95D2905F9BDB}" type="datetimeFigureOut">
               <a:rPr lang="es-ES" smtClean="0"/>
-              <a:t>16/06/2019</a:t>
+              <a:t>17/06/2019</a:t>
             </a:fld>
             <a:endParaRPr lang="es-ES"/>
           </a:p>
@@ -1428,7 +1429,7 @@
           <a:p>
             <a:fld id="{A7FE2B3B-7532-403D-8C3E-95D2905F9BDB}" type="datetimeFigureOut">
               <a:rPr lang="es-ES" smtClean="0"/>
-              <a:t>16/06/2019</a:t>
+              <a:t>17/06/2019</a:t>
             </a:fld>
             <a:endParaRPr lang="es-ES"/>
           </a:p>
@@ -1843,7 +1844,7 @@
           <a:p>
             <a:fld id="{A7FE2B3B-7532-403D-8C3E-95D2905F9BDB}" type="datetimeFigureOut">
               <a:rPr lang="es-ES" smtClean="0"/>
-              <a:t>16/06/2019</a:t>
+              <a:t>17/06/2019</a:t>
             </a:fld>
             <a:endParaRPr lang="es-ES"/>
           </a:p>
@@ -1985,7 +1986,7 @@
           <a:p>
             <a:fld id="{A7FE2B3B-7532-403D-8C3E-95D2905F9BDB}" type="datetimeFigureOut">
               <a:rPr lang="es-ES" smtClean="0"/>
-              <a:t>16/06/2019</a:t>
+              <a:t>17/06/2019</a:t>
             </a:fld>
             <a:endParaRPr lang="es-ES"/>
           </a:p>
@@ -2098,7 +2099,7 @@
           <a:p>
             <a:fld id="{A7FE2B3B-7532-403D-8C3E-95D2905F9BDB}" type="datetimeFigureOut">
               <a:rPr lang="es-ES" smtClean="0"/>
-              <a:t>16/06/2019</a:t>
+              <a:t>17/06/2019</a:t>
             </a:fld>
             <a:endParaRPr lang="es-ES"/>
           </a:p>
@@ -2411,7 +2412,7 @@
           <a:p>
             <a:fld id="{A7FE2B3B-7532-403D-8C3E-95D2905F9BDB}" type="datetimeFigureOut">
               <a:rPr lang="es-ES" smtClean="0"/>
-              <a:t>16/06/2019</a:t>
+              <a:t>17/06/2019</a:t>
             </a:fld>
             <a:endParaRPr lang="es-ES"/>
           </a:p>
@@ -2700,7 +2701,7 @@
           <a:p>
             <a:fld id="{A7FE2B3B-7532-403D-8C3E-95D2905F9BDB}" type="datetimeFigureOut">
               <a:rPr lang="es-ES" smtClean="0"/>
-              <a:t>16/06/2019</a:t>
+              <a:t>17/06/2019</a:t>
             </a:fld>
             <a:endParaRPr lang="es-ES"/>
           </a:p>
@@ -2943,7 +2944,7 @@
           <a:p>
             <a:fld id="{A7FE2B3B-7532-403D-8C3E-95D2905F9BDB}" type="datetimeFigureOut">
               <a:rPr lang="es-ES" smtClean="0"/>
-              <a:t>16/06/2019</a:t>
+              <a:t>17/06/2019</a:t>
             </a:fld>
             <a:endParaRPr lang="es-ES"/>
           </a:p>
@@ -3374,7 +3375,7 @@
           </p:cNvPicPr>
           <p:nvPr/>
         </p:nvPicPr>
-        <p:blipFill>
+        <p:blipFill rotWithShape="1">
           <a:blip r:embed="rId2">
             <a:extLst>
               <a:ext uri="{28A0092B-C50C-407E-A947-70E740481C1C}">
@@ -3382,15 +3383,13 @@
               </a:ext>
             </a:extLst>
           </a:blip>
-          <a:srcRect/>
-          <a:stretch>
-            <a:fillRect/>
-          </a:stretch>
+          <a:srcRect t="47976"/>
+          <a:stretch/>
         </p:blipFill>
         <p:spPr bwMode="auto">
           <a:xfrm>
-            <a:off x="5559309" y="3689473"/>
-            <a:ext cx="854756" cy="960350"/>
+            <a:off x="6195862" y="3900567"/>
+            <a:ext cx="1277941" cy="746967"/>
           </a:xfrm>
           <a:prstGeom prst="rect">
             <a:avLst/>
@@ -3421,7 +3420,7 @@
         </p:nvSpPr>
         <p:spPr>
           <a:xfrm>
-            <a:off x="194633" y="1936172"/>
+            <a:off x="180596" y="1936172"/>
             <a:ext cx="3323601" cy="2985655"/>
           </a:xfrm>
           <a:prstGeom prst="rect">
@@ -3475,8 +3474,8 @@
         </p:nvSpPr>
         <p:spPr>
           <a:xfrm>
-            <a:off x="3619984" y="1936172"/>
-            <a:ext cx="4952032" cy="2985655"/>
+            <a:off x="3619983" y="1936172"/>
+            <a:ext cx="6081897" cy="2985655"/>
           </a:xfrm>
           <a:prstGeom prst="rect">
             <a:avLst/>
@@ -3529,8 +3528,8 @@
         </p:nvSpPr>
         <p:spPr>
           <a:xfrm>
-            <a:off x="8657078" y="1936172"/>
-            <a:ext cx="3323601" cy="2985655"/>
+            <a:off x="9892365" y="1936172"/>
+            <a:ext cx="1745454" cy="2985655"/>
           </a:xfrm>
           <a:prstGeom prst="rect">
             <a:avLst/>
@@ -3622,7 +3621,7 @@
         </p:nvSpPr>
         <p:spPr>
           <a:xfrm>
-            <a:off x="5122020" y="2023770"/>
+            <a:off x="5905650" y="2025876"/>
             <a:ext cx="1947969" cy="369332"/>
           </a:xfrm>
           <a:prstGeom prst="rect">
@@ -3661,7 +3660,7 @@
         </p:nvSpPr>
         <p:spPr>
           <a:xfrm>
-            <a:off x="9995712" y="1998920"/>
+            <a:off x="10346691" y="1998920"/>
             <a:ext cx="646331" cy="369332"/>
           </a:xfrm>
           <a:prstGeom prst="rect">
@@ -3723,7 +3722,7 @@
         <p:spPr bwMode="auto">
           <a:xfrm>
             <a:off x="301583" y="2578791"/>
-            <a:ext cx="3130489" cy="1653825"/>
+            <a:ext cx="2934029" cy="1653825"/>
           </a:xfrm>
           <a:prstGeom prst="rect">
             <a:avLst/>
@@ -3740,72 +3739,6 @@
           </a:extLst>
         </p:spPr>
       </p:pic>
-      <p:sp>
-        <p:nvSpPr>
-          <p:cNvPr id="7" name="TextBox 6">
-            <a:extLst>
-              <a:ext uri="{FF2B5EF4-FFF2-40B4-BE49-F238E27FC236}">
-                <a16:creationId xmlns:a16="http://schemas.microsoft.com/office/drawing/2014/main" id="{C2921C53-E264-460E-A9E4-3A5488F25169}"/>
-              </a:ext>
-            </a:extLst>
-          </p:cNvPr>
-          <p:cNvSpPr txBox="1"/>
-          <p:nvPr/>
-        </p:nvSpPr>
-        <p:spPr>
-          <a:xfrm rot="19480269">
-            <a:off x="561215" y="3377483"/>
-            <a:ext cx="2425734" cy="307777"/>
-          </a:xfrm>
-          <a:prstGeom prst="rect">
-            <a:avLst/>
-          </a:prstGeom>
-          <a:solidFill>
-            <a:schemeClr val="bg2"/>
-          </a:solidFill>
-        </p:spPr>
-        <p:txBody>
-          <a:bodyPr wrap="square" rtlCol="0">
-            <a:spAutoFit/>
-          </a:bodyPr>
-          <a:lstStyle/>
-          <a:p>
-            <a:r>
-              <a:rPr lang="es-ES" sz="1400" dirty="0"/>
-              <a:t>Change </a:t>
-            </a:r>
-            <a:r>
-              <a:rPr lang="es-ES" sz="1400" dirty="0" err="1"/>
-              <a:t>picture</a:t>
-            </a:r>
-            <a:r>
-              <a:rPr lang="es-ES" sz="1400" dirty="0"/>
-              <a:t> </a:t>
-            </a:r>
-            <a:r>
-              <a:rPr lang="es-ES" sz="1400" dirty="0" err="1"/>
-              <a:t>to</a:t>
-            </a:r>
-            <a:r>
-              <a:rPr lang="es-ES" sz="1400" dirty="0"/>
-              <a:t> </a:t>
-            </a:r>
-            <a:r>
-              <a:rPr lang="es-ES" sz="1400" dirty="0" err="1"/>
-              <a:t>our</a:t>
-            </a:r>
-            <a:r>
-              <a:rPr lang="es-ES" sz="1400" dirty="0"/>
-              <a:t> </a:t>
-            </a:r>
-            <a:r>
-              <a:rPr lang="es-ES" sz="1400" dirty="0" err="1"/>
-              <a:t>antenna</a:t>
-            </a:r>
-            <a:endParaRPr lang="es-ES" sz="1400" dirty="0"/>
-          </a:p>
-        </p:txBody>
-      </p:sp>
       <p:pic>
         <p:nvPicPr>
           <p:cNvPr id="1030" name="Picture 6" descr="Resultado de imagen de resistor symbol">
@@ -3835,8 +3768,8 @@
         </p:blipFill>
         <p:spPr bwMode="auto">
           <a:xfrm>
-            <a:off x="7091432" y="2488254"/>
-            <a:ext cx="676298" cy="654501"/>
+            <a:off x="7920333" y="2307517"/>
+            <a:ext cx="1112015" cy="1076175"/>
           </a:xfrm>
           <a:prstGeom prst="rect">
             <a:avLst/>
@@ -3890,8 +3823,8 @@
         </p:blipFill>
         <p:spPr>
           <a:xfrm>
-            <a:off x="3756848" y="2599751"/>
-            <a:ext cx="984353" cy="420657"/>
+            <a:off x="4431388" y="2566459"/>
+            <a:ext cx="1287914" cy="550382"/>
           </a:xfrm>
           <a:prstGeom prst="rect">
             <a:avLst/>
@@ -3912,7 +3845,7 @@
         </p:nvSpPr>
         <p:spPr>
           <a:xfrm>
-            <a:off x="5309635" y="2470026"/>
+            <a:off x="6240538" y="2499583"/>
             <a:ext cx="1278194" cy="676296"/>
           </a:xfrm>
           <a:prstGeom prst="rect">
@@ -3949,7 +3882,7 @@
           <a:p>
             <a:pPr algn="ctr"/>
             <a:r>
-              <a:rPr lang="en-GB" sz="1100" dirty="0"/>
+              <a:rPr lang="en-GB" sz="1600" dirty="0"/>
               <a:t>LDO Voltage regulator</a:t>
             </a:r>
           </a:p>
@@ -3982,8 +3915,8 @@
         </p:blipFill>
         <p:spPr bwMode="auto">
           <a:xfrm rot="5400000">
-            <a:off x="4696997" y="3224225"/>
-            <a:ext cx="569433" cy="281805"/>
+            <a:off x="5536088" y="3153088"/>
+            <a:ext cx="757171" cy="374714"/>
           </a:xfrm>
           <a:prstGeom prst="rect">
             <a:avLst/>
@@ -4016,7 +3949,7 @@
         </p:nvCxnSpPr>
         <p:spPr>
           <a:xfrm flipV="1">
-            <a:off x="4725961" y="2820874"/>
+            <a:off x="5656864" y="2850431"/>
             <a:ext cx="581134" cy="1"/>
           </a:xfrm>
           <a:prstGeom prst="line">
@@ -4059,7 +3992,7 @@
         </p:nvCxnSpPr>
         <p:spPr>
           <a:xfrm flipV="1">
-            <a:off x="4971957" y="2822710"/>
+            <a:off x="5901590" y="2850431"/>
             <a:ext cx="0" cy="273898"/>
           </a:xfrm>
           <a:prstGeom prst="line">
@@ -4102,7 +4035,7 @@
         </p:nvCxnSpPr>
         <p:spPr>
           <a:xfrm flipV="1">
-            <a:off x="4970687" y="3598045"/>
+            <a:off x="5901590" y="3627602"/>
             <a:ext cx="0" cy="273898"/>
           </a:xfrm>
           <a:prstGeom prst="line">
@@ -4145,7 +4078,7 @@
         </p:nvCxnSpPr>
         <p:spPr>
           <a:xfrm flipV="1">
-            <a:off x="6587829" y="2803651"/>
+            <a:off x="7518732" y="2833208"/>
             <a:ext cx="581134" cy="1"/>
           </a:xfrm>
           <a:prstGeom prst="line">
@@ -4188,7 +4121,7 @@
         </p:nvCxnSpPr>
         <p:spPr>
           <a:xfrm flipV="1">
-            <a:off x="7690199" y="2803650"/>
+            <a:off x="8856385" y="2833207"/>
             <a:ext cx="581134" cy="1"/>
           </a:xfrm>
           <a:prstGeom prst="line">
@@ -4231,7 +4164,7 @@
         </p:nvCxnSpPr>
         <p:spPr>
           <a:xfrm flipV="1">
-            <a:off x="7002687" y="2803650"/>
+            <a:off x="7933590" y="2833207"/>
             <a:ext cx="0" cy="1067700"/>
           </a:xfrm>
           <a:prstGeom prst="line">
@@ -4274,8 +4207,8 @@
         </p:nvCxnSpPr>
         <p:spPr>
           <a:xfrm flipV="1">
-            <a:off x="4970687" y="3867044"/>
-            <a:ext cx="2032000" cy="4307"/>
+            <a:off x="4431388" y="3896602"/>
+            <a:ext cx="3502202" cy="4305"/>
           </a:xfrm>
           <a:prstGeom prst="line">
             <a:avLst/>
@@ -4346,68 +4279,20 @@
       </p:cxnSp>
       <p:pic>
         <p:nvPicPr>
-          <p:cNvPr id="45" name="Picture 44">
-            <a:extLst>
-              <a:ext uri="{FF2B5EF4-FFF2-40B4-BE49-F238E27FC236}">
-                <a16:creationId xmlns:a16="http://schemas.microsoft.com/office/drawing/2014/main" id="{97E62D66-A6A7-4743-8933-DE495BBC343A}"/>
+          <p:cNvPr id="1040" name="Picture 16" descr="Resultado de imagen de LED symbol">
+            <a:extLst>
+              <a:ext uri="{FF2B5EF4-FFF2-40B4-BE49-F238E27FC236}">
+                <a16:creationId xmlns:a16="http://schemas.microsoft.com/office/drawing/2014/main" id="{7D350C41-82BA-4227-9107-D613A5241BA9}"/>
               </a:ext>
             </a:extLst>
           </p:cNvPr>
           <p:cNvPicPr>
-            <a:picLocks noChangeAspect="1"/>
+            <a:picLocks noChangeAspect="1" noChangeArrowheads="1"/>
           </p:cNvPicPr>
           <p:nvPr/>
         </p:nvPicPr>
         <p:blipFill>
           <a:blip r:embed="rId9">
-            <a:extLst>
-              <a:ext uri="{BEBA8EAE-BF5A-486C-A8C5-ECC9F3942E4B}">
-                <a14:imgProps xmlns:a14="http://schemas.microsoft.com/office/drawing/2010/main">
-                  <a14:imgLayer r:embed="rId10">
-                    <a14:imgEffect>
-                      <a14:sharpenSoften amount="50000"/>
-                    </a14:imgEffect>
-                  </a14:imgLayer>
-                </a14:imgProps>
-              </a:ext>
-            </a:extLst>
-          </a:blip>
-          <a:stretch>
-            <a:fillRect/>
-          </a:stretch>
-        </p:blipFill>
-        <p:spPr>
-          <a:xfrm>
-            <a:off x="9810803" y="3142755"/>
-            <a:ext cx="2079614" cy="1649395"/>
-          </a:xfrm>
-          <a:prstGeom prst="rect">
-            <a:avLst/>
-          </a:prstGeom>
-          <a:ln>
-            <a:noFill/>
-          </a:ln>
-          <a:effectLst>
-            <a:softEdge rad="112500"/>
-          </a:effectLst>
-        </p:spPr>
-      </p:pic>
-      <p:pic>
-        <p:nvPicPr>
-          <p:cNvPr id="1040" name="Picture 16" descr="Resultado de imagen de LED symbol">
-            <a:extLst>
-              <a:ext uri="{FF2B5EF4-FFF2-40B4-BE49-F238E27FC236}">
-                <a16:creationId xmlns:a16="http://schemas.microsoft.com/office/drawing/2014/main" id="{7D350C41-82BA-4227-9107-D613A5241BA9}"/>
-              </a:ext>
-            </a:extLst>
-          </p:cNvPr>
-          <p:cNvPicPr>
-            <a:picLocks noChangeAspect="1" noChangeArrowheads="1"/>
-          </p:cNvPicPr>
-          <p:nvPr/>
-        </p:nvPicPr>
-        <p:blipFill>
-          <a:blip r:embed="rId11">
             <a:extLst>
               <a:ext uri="{28A0092B-C50C-407E-A947-70E740481C1C}">
                 <a14:useLocalDpi xmlns:a14="http://schemas.microsoft.com/office/drawing/2010/main" val="0"/>
@@ -4421,7 +4306,7 @@
         </p:blipFill>
         <p:spPr bwMode="auto">
           <a:xfrm rot="5400000">
-            <a:off x="9095443" y="2939461"/>
+            <a:off x="10356272" y="2973543"/>
             <a:ext cx="893587" cy="575957"/>
           </a:xfrm>
           <a:prstGeom prst="rect">
@@ -4455,7 +4340,120 @@
         </p:nvCxnSpPr>
         <p:spPr>
           <a:xfrm flipV="1">
-            <a:off x="8896593" y="2803649"/>
+            <a:off x="10157422" y="2837731"/>
+            <a:ext cx="581134" cy="1"/>
+          </a:xfrm>
+          <a:prstGeom prst="line">
+            <a:avLst/>
+          </a:prstGeom>
+          <a:ln w="12700">
+            <a:solidFill>
+              <a:schemeClr val="tx1"/>
+            </a:solidFill>
+          </a:ln>
+        </p:spPr>
+        <p:style>
+          <a:lnRef idx="1">
+            <a:schemeClr val="accent1"/>
+          </a:lnRef>
+          <a:fillRef idx="0">
+            <a:schemeClr val="accent1"/>
+          </a:fillRef>
+          <a:effectRef idx="0">
+            <a:schemeClr val="accent1"/>
+          </a:effectRef>
+          <a:fontRef idx="minor">
+            <a:schemeClr val="tx1"/>
+          </a:fontRef>
+        </p:style>
+      </p:cxnSp>
+      <p:sp>
+        <p:nvSpPr>
+          <p:cNvPr id="5" name="TextBox 4">
+            <a:extLst>
+              <a:ext uri="{FF2B5EF4-FFF2-40B4-BE49-F238E27FC236}">
+                <a16:creationId xmlns:a16="http://schemas.microsoft.com/office/drawing/2014/main" id="{89C7FCF1-AECD-4E32-8F3B-9996B19F8388}"/>
+              </a:ext>
+            </a:extLst>
+          </p:cNvPr>
+          <p:cNvSpPr txBox="1"/>
+          <p:nvPr/>
+        </p:nvSpPr>
+        <p:spPr>
+          <a:xfrm>
+            <a:off x="4120245" y="4229151"/>
+            <a:ext cx="622286" cy="369332"/>
+          </a:xfrm>
+          <a:prstGeom prst="rect">
+            <a:avLst/>
+          </a:prstGeom>
+          <a:noFill/>
+        </p:spPr>
+        <p:txBody>
+          <a:bodyPr wrap="none" rtlCol="0">
+            <a:spAutoFit/>
+          </a:bodyPr>
+          <a:lstStyle/>
+          <a:p>
+            <a:r>
+              <a:rPr lang="es-ES" dirty="0"/>
+              <a:t>GND</a:t>
+            </a:r>
+          </a:p>
+        </p:txBody>
+      </p:sp>
+      <p:sp>
+        <p:nvSpPr>
+          <p:cNvPr id="28" name="TextBox 27">
+            <a:extLst>
+              <a:ext uri="{FF2B5EF4-FFF2-40B4-BE49-F238E27FC236}">
+                <a16:creationId xmlns:a16="http://schemas.microsoft.com/office/drawing/2014/main" id="{4A6DF572-E2D6-452F-BA4B-B4E933EBDBC8}"/>
+              </a:ext>
+            </a:extLst>
+          </p:cNvPr>
+          <p:cNvSpPr txBox="1"/>
+          <p:nvPr/>
+        </p:nvSpPr>
+        <p:spPr>
+          <a:xfrm>
+            <a:off x="4236922" y="2072523"/>
+            <a:ext cx="391454" cy="369332"/>
+          </a:xfrm>
+          <a:prstGeom prst="rect">
+            <a:avLst/>
+          </a:prstGeom>
+          <a:noFill/>
+        </p:spPr>
+        <p:txBody>
+          <a:bodyPr wrap="square" rtlCol="0">
+            <a:spAutoFit/>
+          </a:bodyPr>
+          <a:lstStyle/>
+          <a:p>
+            <a:r>
+              <a:rPr lang="es-ES" dirty="0"/>
+              <a:t>IN</a:t>
+            </a:r>
+          </a:p>
+        </p:txBody>
+      </p:sp>
+      <p:cxnSp>
+        <p:nvCxnSpPr>
+          <p:cNvPr id="29" name="Straight Connector 28">
+            <a:extLst>
+              <a:ext uri="{FF2B5EF4-FFF2-40B4-BE49-F238E27FC236}">
+                <a16:creationId xmlns:a16="http://schemas.microsoft.com/office/drawing/2014/main" id="{97FA5E35-0EC7-4068-AA9E-23208B351839}"/>
+              </a:ext>
+            </a:extLst>
+          </p:cNvPr>
+          <p:cNvCxnSpPr>
+            <a:cxnSpLocks/>
+          </p:cNvCxnSpPr>
+          <p:nvPr/>
+        </p:nvCxnSpPr>
+        <p:spPr>
+          <a:xfrm flipV="1">
+            <a:off x="10157422" y="3687286"/>
             <a:ext cx="581134" cy="1"/>
           </a:xfrm>
           <a:prstGeom prst="line">
@@ -4514,6 +4512,1155 @@
       </p:grpSpPr>
       <p:pic>
         <p:nvPicPr>
+          <p:cNvPr id="1034" name="Picture 10" descr="Resultado de imagen de gnd symbol">
+            <a:extLst>
+              <a:ext uri="{FF2B5EF4-FFF2-40B4-BE49-F238E27FC236}">
+                <a16:creationId xmlns:a16="http://schemas.microsoft.com/office/drawing/2014/main" id="{9EA10C34-775E-4CEC-90B6-58878E694045}"/>
+              </a:ext>
+            </a:extLst>
+          </p:cNvPr>
+          <p:cNvPicPr>
+            <a:picLocks noChangeAspect="1" noChangeArrowheads="1"/>
+          </p:cNvPicPr>
+          <p:nvPr/>
+        </p:nvPicPr>
+        <p:blipFill rotWithShape="1">
+          <a:blip r:embed="rId2">
+            <a:extLst>
+              <a:ext uri="{28A0092B-C50C-407E-A947-70E740481C1C}">
+                <a14:useLocalDpi xmlns:a14="http://schemas.microsoft.com/office/drawing/2010/main" val="0"/>
+              </a:ext>
+            </a:extLst>
+          </a:blip>
+          <a:srcRect t="47976"/>
+          <a:stretch/>
+        </p:blipFill>
+        <p:spPr bwMode="auto">
+          <a:xfrm>
+            <a:off x="6195862" y="3900567"/>
+            <a:ext cx="1277941" cy="746967"/>
+          </a:xfrm>
+          <a:prstGeom prst="rect">
+            <a:avLst/>
+          </a:prstGeom>
+          <a:noFill/>
+          <a:extLst>
+            <a:ext uri="{909E8E84-426E-40DD-AFC4-6F175D3DCCD1}">
+              <a14:hiddenFill xmlns:a14="http://schemas.microsoft.com/office/drawing/2010/main">
+                <a:solidFill>
+                  <a:srgbClr val="FFFFFF"/>
+                </a:solidFill>
+              </a14:hiddenFill>
+            </a:ext>
+          </a:extLst>
+        </p:spPr>
+      </p:pic>
+      <p:sp>
+        <p:nvSpPr>
+          <p:cNvPr id="2" name="Rectangle 1">
+            <a:extLst>
+              <a:ext uri="{FF2B5EF4-FFF2-40B4-BE49-F238E27FC236}">
+                <a16:creationId xmlns:a16="http://schemas.microsoft.com/office/drawing/2014/main" id="{6ADF2A6F-0CA5-49FE-97E8-D904C984C035}"/>
+              </a:ext>
+            </a:extLst>
+          </p:cNvPr>
+          <p:cNvSpPr/>
+          <p:nvPr/>
+        </p:nvSpPr>
+        <p:spPr>
+          <a:xfrm>
+            <a:off x="180596" y="1936172"/>
+            <a:ext cx="3323601" cy="2985655"/>
+          </a:xfrm>
+          <a:prstGeom prst="rect">
+            <a:avLst/>
+          </a:prstGeom>
+          <a:noFill/>
+          <a:ln w="12700" cap="flat" cmpd="sng" algn="ctr">
+            <a:solidFill>
+              <a:schemeClr val="dk1"/>
+            </a:solidFill>
+            <a:prstDash val="lgDash"/>
+            <a:round/>
+            <a:headEnd type="none" w="med" len="med"/>
+            <a:tailEnd type="none" w="med" len="med"/>
+          </a:ln>
+        </p:spPr>
+        <p:style>
+          <a:lnRef idx="0">
+            <a:scrgbClr r="0" g="0" b="0"/>
+          </a:lnRef>
+          <a:fillRef idx="0">
+            <a:scrgbClr r="0" g="0" b="0"/>
+          </a:fillRef>
+          <a:effectRef idx="0">
+            <a:scrgbClr r="0" g="0" b="0"/>
+          </a:effectRef>
+          <a:fontRef idx="minor">
+            <a:schemeClr val="dk1"/>
+          </a:fontRef>
+        </p:style>
+        <p:txBody>
+          <a:bodyPr rtlCol="0" anchor="ctr"/>
+          <a:lstStyle/>
+          <a:p>
+            <a:pPr algn="ctr"/>
+            <a:endParaRPr lang="es-ES"/>
+          </a:p>
+        </p:txBody>
+      </p:sp>
+      <p:sp>
+        <p:nvSpPr>
+          <p:cNvPr id="10" name="Rectangle 9">
+            <a:extLst>
+              <a:ext uri="{FF2B5EF4-FFF2-40B4-BE49-F238E27FC236}">
+                <a16:creationId xmlns:a16="http://schemas.microsoft.com/office/drawing/2014/main" id="{9FB34E10-04B0-4674-803A-6D5FA73FB7BB}"/>
+              </a:ext>
+            </a:extLst>
+          </p:cNvPr>
+          <p:cNvSpPr/>
+          <p:nvPr/>
+        </p:nvSpPr>
+        <p:spPr>
+          <a:xfrm>
+            <a:off x="3619983" y="1936172"/>
+            <a:ext cx="6081897" cy="2985655"/>
+          </a:xfrm>
+          <a:prstGeom prst="rect">
+            <a:avLst/>
+          </a:prstGeom>
+          <a:noFill/>
+          <a:ln w="12700" cap="flat" cmpd="sng" algn="ctr">
+            <a:solidFill>
+              <a:schemeClr val="dk1"/>
+            </a:solidFill>
+            <a:prstDash val="lgDash"/>
+            <a:round/>
+            <a:headEnd type="none" w="med" len="med"/>
+            <a:tailEnd type="none" w="med" len="med"/>
+          </a:ln>
+        </p:spPr>
+        <p:style>
+          <a:lnRef idx="0">
+            <a:scrgbClr r="0" g="0" b="0"/>
+          </a:lnRef>
+          <a:fillRef idx="0">
+            <a:scrgbClr r="0" g="0" b="0"/>
+          </a:fillRef>
+          <a:effectRef idx="0">
+            <a:scrgbClr r="0" g="0" b="0"/>
+          </a:effectRef>
+          <a:fontRef idx="minor">
+            <a:schemeClr val="dk1"/>
+          </a:fontRef>
+        </p:style>
+        <p:txBody>
+          <a:bodyPr rtlCol="0" anchor="ctr"/>
+          <a:lstStyle/>
+          <a:p>
+            <a:pPr algn="ctr"/>
+            <a:endParaRPr lang="es-ES"/>
+          </a:p>
+        </p:txBody>
+      </p:sp>
+      <p:sp>
+        <p:nvSpPr>
+          <p:cNvPr id="14" name="Rectangle 13">
+            <a:extLst>
+              <a:ext uri="{FF2B5EF4-FFF2-40B4-BE49-F238E27FC236}">
+                <a16:creationId xmlns:a16="http://schemas.microsoft.com/office/drawing/2014/main" id="{33266789-7B79-44E7-BB43-93071B6A9BEE}"/>
+              </a:ext>
+            </a:extLst>
+          </p:cNvPr>
+          <p:cNvSpPr/>
+          <p:nvPr/>
+        </p:nvSpPr>
+        <p:spPr>
+          <a:xfrm>
+            <a:off x="9892365" y="1936172"/>
+            <a:ext cx="1745454" cy="2985655"/>
+          </a:xfrm>
+          <a:prstGeom prst="rect">
+            <a:avLst/>
+          </a:prstGeom>
+          <a:noFill/>
+          <a:ln w="12700" cap="flat" cmpd="sng" algn="ctr">
+            <a:solidFill>
+              <a:schemeClr val="dk1"/>
+            </a:solidFill>
+            <a:prstDash val="lgDash"/>
+            <a:round/>
+            <a:headEnd type="none" w="med" len="med"/>
+            <a:tailEnd type="none" w="med" len="med"/>
+          </a:ln>
+        </p:spPr>
+        <p:style>
+          <a:lnRef idx="0">
+            <a:scrgbClr r="0" g="0" b="0"/>
+          </a:lnRef>
+          <a:fillRef idx="0">
+            <a:scrgbClr r="0" g="0" b="0"/>
+          </a:fillRef>
+          <a:effectRef idx="0">
+            <a:scrgbClr r="0" g="0" b="0"/>
+          </a:effectRef>
+          <a:fontRef idx="minor">
+            <a:schemeClr val="dk1"/>
+          </a:fontRef>
+        </p:style>
+        <p:txBody>
+          <a:bodyPr rtlCol="0" anchor="ctr"/>
+          <a:lstStyle/>
+          <a:p>
+            <a:pPr algn="ctr"/>
+            <a:endParaRPr lang="es-ES"/>
+          </a:p>
+        </p:txBody>
+      </p:sp>
+      <p:sp>
+        <p:nvSpPr>
+          <p:cNvPr id="3" name="TextBox 2">
+            <a:extLst>
+              <a:ext uri="{FF2B5EF4-FFF2-40B4-BE49-F238E27FC236}">
+                <a16:creationId xmlns:a16="http://schemas.microsoft.com/office/drawing/2014/main" id="{524AEB65-7721-4772-8DDE-1568625A0AC6}"/>
+              </a:ext>
+            </a:extLst>
+          </p:cNvPr>
+          <p:cNvSpPr txBox="1"/>
+          <p:nvPr/>
+        </p:nvSpPr>
+        <p:spPr>
+          <a:xfrm>
+            <a:off x="1380982" y="2023770"/>
+            <a:ext cx="950901" cy="369332"/>
+          </a:xfrm>
+          <a:prstGeom prst="rect">
+            <a:avLst/>
+          </a:prstGeom>
+          <a:noFill/>
+        </p:spPr>
+        <p:txBody>
+          <a:bodyPr wrap="none" rtlCol="0">
+            <a:spAutoFit/>
+          </a:bodyPr>
+          <a:lstStyle/>
+          <a:p>
+            <a:pPr algn="ctr"/>
+            <a:r>
+              <a:rPr lang="en-GB" dirty="0">
+                <a:latin typeface="Garamond" panose="02020404030301010803" pitchFamily="18" charset="0"/>
+                <a:cs typeface="Arial" panose="020B0604020202020204" pitchFamily="34" charset="0"/>
+              </a:rPr>
+              <a:t>Antenna</a:t>
+            </a:r>
+          </a:p>
+        </p:txBody>
+      </p:sp>
+      <p:sp>
+        <p:nvSpPr>
+          <p:cNvPr id="15" name="TextBox 14">
+            <a:extLst>
+              <a:ext uri="{FF2B5EF4-FFF2-40B4-BE49-F238E27FC236}">
+                <a16:creationId xmlns:a16="http://schemas.microsoft.com/office/drawing/2014/main" id="{248AED5F-1F16-4549-804F-DF8CFE82567D}"/>
+              </a:ext>
+            </a:extLst>
+          </p:cNvPr>
+          <p:cNvSpPr txBox="1"/>
+          <p:nvPr/>
+        </p:nvSpPr>
+        <p:spPr>
+          <a:xfrm>
+            <a:off x="5905650" y="2025876"/>
+            <a:ext cx="1947969" cy="369332"/>
+          </a:xfrm>
+          <a:prstGeom prst="rect">
+            <a:avLst/>
+          </a:prstGeom>
+          <a:noFill/>
+        </p:spPr>
+        <p:txBody>
+          <a:bodyPr wrap="none" rtlCol="0">
+            <a:spAutoFit/>
+          </a:bodyPr>
+          <a:lstStyle/>
+          <a:p>
+            <a:pPr algn="ctr"/>
+            <a:r>
+              <a:rPr lang="en-GB" dirty="0">
+                <a:latin typeface="Garamond" panose="02020404030301010803" pitchFamily="18" charset="0"/>
+                <a:cs typeface="Arial" panose="020B0604020202020204" pitchFamily="34" charset="0"/>
+              </a:rPr>
+              <a:t>Signal Conditioning</a:t>
+            </a:r>
+          </a:p>
+        </p:txBody>
+      </p:sp>
+      <p:sp>
+        <p:nvSpPr>
+          <p:cNvPr id="16" name="TextBox 15">
+            <a:extLst>
+              <a:ext uri="{FF2B5EF4-FFF2-40B4-BE49-F238E27FC236}">
+                <a16:creationId xmlns:a16="http://schemas.microsoft.com/office/drawing/2014/main" id="{A6256198-A9EF-4BE7-A1AF-284A67F928E7}"/>
+              </a:ext>
+            </a:extLst>
+          </p:cNvPr>
+          <p:cNvSpPr txBox="1"/>
+          <p:nvPr/>
+        </p:nvSpPr>
+        <p:spPr>
+          <a:xfrm>
+            <a:off x="10346691" y="1998920"/>
+            <a:ext cx="646331" cy="369332"/>
+          </a:xfrm>
+          <a:prstGeom prst="rect">
+            <a:avLst/>
+          </a:prstGeom>
+          <a:noFill/>
+        </p:spPr>
+        <p:txBody>
+          <a:bodyPr wrap="none" rtlCol="0">
+            <a:spAutoFit/>
+          </a:bodyPr>
+          <a:lstStyle/>
+          <a:p>
+            <a:pPr algn="ctr"/>
+            <a:r>
+              <a:rPr lang="es-ES" dirty="0">
+                <a:latin typeface="Garamond" panose="02020404030301010803" pitchFamily="18" charset="0"/>
+                <a:cs typeface="Arial" panose="020B0604020202020204" pitchFamily="34" charset="0"/>
+              </a:rPr>
+              <a:t>LED</a:t>
+            </a:r>
+          </a:p>
+        </p:txBody>
+      </p:sp>
+      <p:pic>
+        <p:nvPicPr>
+          <p:cNvPr id="1026" name="Picture 2" descr="Resultado de imagen de flexible pcb antenna">
+            <a:extLst>
+              <a:ext uri="{FF2B5EF4-FFF2-40B4-BE49-F238E27FC236}">
+                <a16:creationId xmlns:a16="http://schemas.microsoft.com/office/drawing/2014/main" id="{A0D10461-CEF0-43E2-970E-24EB4B335EDC}"/>
+              </a:ext>
+            </a:extLst>
+          </p:cNvPr>
+          <p:cNvPicPr>
+            <a:picLocks noChangeAspect="1" noChangeArrowheads="1"/>
+          </p:cNvPicPr>
+          <p:nvPr/>
+        </p:nvPicPr>
+        <p:blipFill rotWithShape="1">
+          <a:blip r:embed="rId3">
+            <a:extLst>
+              <a:ext uri="{BEBA8EAE-BF5A-486C-A8C5-ECC9F3942E4B}">
+                <a14:imgProps xmlns:a14="http://schemas.microsoft.com/office/drawing/2010/main">
+                  <a14:imgLayer r:embed="rId4">
+                    <a14:imgEffect>
+                      <a14:brightnessContrast bright="40000" contrast="-40000"/>
+                    </a14:imgEffect>
+                  </a14:imgLayer>
+                </a14:imgProps>
+              </a:ext>
+              <a:ext uri="{28A0092B-C50C-407E-A947-70E740481C1C}">
+                <a14:useLocalDpi xmlns:a14="http://schemas.microsoft.com/office/drawing/2010/main" val="0"/>
+              </a:ext>
+            </a:extLst>
+          </a:blip>
+          <a:srcRect l="7778" t="15443" r="5896" b="16189"/>
+          <a:stretch/>
+        </p:blipFill>
+        <p:spPr bwMode="auto">
+          <a:xfrm>
+            <a:off x="301583" y="2578791"/>
+            <a:ext cx="2934029" cy="1653825"/>
+          </a:xfrm>
+          <a:prstGeom prst="rect">
+            <a:avLst/>
+          </a:prstGeom>
+          <a:noFill/>
+          <a:extLst>
+            <a:ext uri="{909E8E84-426E-40DD-AFC4-6F175D3DCCD1}">
+              <a14:hiddenFill xmlns:a14="http://schemas.microsoft.com/office/drawing/2010/main">
+                <a:solidFill>
+                  <a:srgbClr val="FFFFFF"/>
+                </a:solidFill>
+              </a14:hiddenFill>
+            </a:ext>
+          </a:extLst>
+        </p:spPr>
+      </p:pic>
+      <p:pic>
+        <p:nvPicPr>
+          <p:cNvPr id="1030" name="Picture 6" descr="Resultado de imagen de resistor symbol">
+            <a:extLst>
+              <a:ext uri="{FF2B5EF4-FFF2-40B4-BE49-F238E27FC236}">
+                <a16:creationId xmlns:a16="http://schemas.microsoft.com/office/drawing/2014/main" id="{98DB21C0-7637-4E18-9B65-93798C917681}"/>
+              </a:ext>
+            </a:extLst>
+          </p:cNvPr>
+          <p:cNvPicPr>
+            <a:picLocks noChangeAspect="1" noChangeArrowheads="1"/>
+          </p:cNvPicPr>
+          <p:nvPr/>
+        </p:nvPicPr>
+        <p:blipFill>
+          <a:blip r:embed="rId5">
+            <a:extLst>
+              <a:ext uri="{28A0092B-C50C-407E-A947-70E740481C1C}">
+                <a14:useLocalDpi xmlns:a14="http://schemas.microsoft.com/office/drawing/2010/main" val="0"/>
+              </a:ext>
+            </a:extLst>
+          </a:blip>
+          <a:srcRect/>
+          <a:stretch>
+            <a:fillRect/>
+          </a:stretch>
+        </p:blipFill>
+        <p:spPr bwMode="auto">
+          <a:xfrm>
+            <a:off x="7920333" y="2307517"/>
+            <a:ext cx="1112015" cy="1076175"/>
+          </a:xfrm>
+          <a:prstGeom prst="rect">
+            <a:avLst/>
+          </a:prstGeom>
+          <a:noFill/>
+          <a:extLst>
+            <a:ext uri="{909E8E84-426E-40DD-AFC4-6F175D3DCCD1}">
+              <a14:hiddenFill xmlns:a14="http://schemas.microsoft.com/office/drawing/2010/main">
+                <a:solidFill>
+                  <a:srgbClr val="FFFFFF"/>
+                </a:solidFill>
+              </a14:hiddenFill>
+            </a:ext>
+          </a:extLst>
+        </p:spPr>
+      </p:pic>
+      <p:pic>
+        <p:nvPicPr>
+          <p:cNvPr id="18" name="Picture 17">
+            <a:extLst>
+              <a:ext uri="{FF2B5EF4-FFF2-40B4-BE49-F238E27FC236}">
+                <a16:creationId xmlns:a16="http://schemas.microsoft.com/office/drawing/2014/main" id="{06E82D0E-61DD-4870-8519-47939FBACC43}"/>
+              </a:ext>
+            </a:extLst>
+          </p:cNvPr>
+          <p:cNvPicPr>
+            <a:picLocks noChangeAspect="1"/>
+          </p:cNvPicPr>
+          <p:nvPr/>
+        </p:nvPicPr>
+        <p:blipFill>
+          <a:blip r:embed="rId6">
+            <a:extLst>
+              <a:ext uri="{BEBA8EAE-BF5A-486C-A8C5-ECC9F3942E4B}">
+                <a14:imgProps xmlns:a14="http://schemas.microsoft.com/office/drawing/2010/main">
+                  <a14:imgLayer r:embed="rId7">
+                    <a14:imgEffect>
+                      <a14:sharpenSoften amount="50000"/>
+                    </a14:imgEffect>
+                  </a14:imgLayer>
+                </a14:imgProps>
+              </a:ext>
+              <a:ext uri="{28A0092B-C50C-407E-A947-70E740481C1C}">
+                <a14:useLocalDpi xmlns:a14="http://schemas.microsoft.com/office/drawing/2010/main" val="0"/>
+              </a:ext>
+            </a:extLst>
+          </a:blip>
+          <a:stretch>
+            <a:fillRect/>
+          </a:stretch>
+        </p:blipFill>
+        <p:spPr>
+          <a:xfrm>
+            <a:off x="4431388" y="2566459"/>
+            <a:ext cx="1287914" cy="550382"/>
+          </a:xfrm>
+          <a:prstGeom prst="rect">
+            <a:avLst/>
+          </a:prstGeom>
+        </p:spPr>
+      </p:pic>
+      <p:sp>
+        <p:nvSpPr>
+          <p:cNvPr id="20" name="Rectangle 19">
+            <a:extLst>
+              <a:ext uri="{FF2B5EF4-FFF2-40B4-BE49-F238E27FC236}">
+                <a16:creationId xmlns:a16="http://schemas.microsoft.com/office/drawing/2014/main" id="{6DC74CAE-06DD-4436-AD97-FECE24EE6022}"/>
+              </a:ext>
+            </a:extLst>
+          </p:cNvPr>
+          <p:cNvSpPr/>
+          <p:nvPr/>
+        </p:nvSpPr>
+        <p:spPr>
+          <a:xfrm>
+            <a:off x="6240538" y="2499583"/>
+            <a:ext cx="1278194" cy="676296"/>
+          </a:xfrm>
+          <a:prstGeom prst="rect">
+            <a:avLst/>
+          </a:prstGeom>
+          <a:noFill/>
+          <a:ln w="9525" cap="flat" cmpd="sng" algn="ctr">
+            <a:solidFill>
+              <a:schemeClr val="dk1"/>
+            </a:solidFill>
+            <a:prstDash val="solid"/>
+            <a:round/>
+            <a:headEnd type="none" w="med" len="med"/>
+            <a:tailEnd type="none" w="med" len="med"/>
+          </a:ln>
+        </p:spPr>
+        <p:style>
+          <a:lnRef idx="0">
+            <a:scrgbClr r="0" g="0" b="0"/>
+          </a:lnRef>
+          <a:fillRef idx="0">
+            <a:scrgbClr r="0" g="0" b="0"/>
+          </a:fillRef>
+          <a:effectRef idx="0">
+            <a:scrgbClr r="0" g="0" b="0"/>
+          </a:effectRef>
+          <a:fontRef idx="minor">
+            <a:schemeClr val="dk1"/>
+          </a:fontRef>
+        </p:style>
+        <p:txBody>
+          <a:bodyPr rtlCol="0" anchor="ctr"/>
+          <a:lstStyle/>
+          <a:p>
+            <a:pPr algn="ctr"/>
+            <a:r>
+              <a:rPr lang="en-GB" sz="1600" dirty="0"/>
+              <a:t>LDO Voltage regulator</a:t>
+            </a:r>
+          </a:p>
+        </p:txBody>
+      </p:sp>
+      <p:pic>
+        <p:nvPicPr>
+          <p:cNvPr id="1032" name="Picture 8" descr="Resultado de imagen de capacitor symbol">
+            <a:extLst>
+              <a:ext uri="{FF2B5EF4-FFF2-40B4-BE49-F238E27FC236}">
+                <a16:creationId xmlns:a16="http://schemas.microsoft.com/office/drawing/2014/main" id="{D7ABA5FA-190B-4C61-9C18-8060A5D05DF9}"/>
+              </a:ext>
+            </a:extLst>
+          </p:cNvPr>
+          <p:cNvPicPr>
+            <a:picLocks noChangeAspect="1" noChangeArrowheads="1"/>
+          </p:cNvPicPr>
+          <p:nvPr/>
+        </p:nvPicPr>
+        <p:blipFill rotWithShape="1">
+          <a:blip r:embed="rId8">
+            <a:extLst>
+              <a:ext uri="{28A0092B-C50C-407E-A947-70E740481C1C}">
+                <a14:useLocalDpi xmlns:a14="http://schemas.microsoft.com/office/drawing/2010/main" val="0"/>
+              </a:ext>
+            </a:extLst>
+          </a:blip>
+          <a:srcRect t="19981" b="23621"/>
+          <a:stretch/>
+        </p:blipFill>
+        <p:spPr bwMode="auto">
+          <a:xfrm rot="5400000">
+            <a:off x="5536088" y="3153088"/>
+            <a:ext cx="757171" cy="374714"/>
+          </a:xfrm>
+          <a:prstGeom prst="rect">
+            <a:avLst/>
+          </a:prstGeom>
+          <a:noFill/>
+          <a:extLst>
+            <a:ext uri="{909E8E84-426E-40DD-AFC4-6F175D3DCCD1}">
+              <a14:hiddenFill xmlns:a14="http://schemas.microsoft.com/office/drawing/2010/main">
+                <a:solidFill>
+                  <a:srgbClr val="FFFFFF"/>
+                </a:solidFill>
+              </a14:hiddenFill>
+            </a:ext>
+          </a:extLst>
+        </p:spPr>
+      </p:pic>
+      <p:cxnSp>
+        <p:nvCxnSpPr>
+          <p:cNvPr id="23" name="Straight Connector 22">
+            <a:extLst>
+              <a:ext uri="{FF2B5EF4-FFF2-40B4-BE49-F238E27FC236}">
+                <a16:creationId xmlns:a16="http://schemas.microsoft.com/office/drawing/2014/main" id="{938C6EE3-40FA-46A3-9873-284E097C6224}"/>
+              </a:ext>
+            </a:extLst>
+          </p:cNvPr>
+          <p:cNvCxnSpPr>
+            <a:cxnSpLocks/>
+          </p:cNvCxnSpPr>
+          <p:nvPr/>
+        </p:nvCxnSpPr>
+        <p:spPr>
+          <a:xfrm flipV="1">
+            <a:off x="5656864" y="2850431"/>
+            <a:ext cx="581134" cy="1"/>
+          </a:xfrm>
+          <a:prstGeom prst="line">
+            <a:avLst/>
+          </a:prstGeom>
+          <a:ln w="12700">
+            <a:solidFill>
+              <a:schemeClr val="tx1"/>
+            </a:solidFill>
+          </a:ln>
+        </p:spPr>
+        <p:style>
+          <a:lnRef idx="1">
+            <a:schemeClr val="accent1"/>
+          </a:lnRef>
+          <a:fillRef idx="0">
+            <a:schemeClr val="accent1"/>
+          </a:fillRef>
+          <a:effectRef idx="0">
+            <a:schemeClr val="accent1"/>
+          </a:effectRef>
+          <a:fontRef idx="minor">
+            <a:schemeClr val="tx1"/>
+          </a:fontRef>
+        </p:style>
+      </p:cxnSp>
+      <p:cxnSp>
+        <p:nvCxnSpPr>
+          <p:cNvPr id="27" name="Straight Connector 26">
+            <a:extLst>
+              <a:ext uri="{FF2B5EF4-FFF2-40B4-BE49-F238E27FC236}">
+                <a16:creationId xmlns:a16="http://schemas.microsoft.com/office/drawing/2014/main" id="{D7153783-B32B-49A9-BA9C-548AB07EC5BB}"/>
+              </a:ext>
+            </a:extLst>
+          </p:cNvPr>
+          <p:cNvCxnSpPr>
+            <a:cxnSpLocks/>
+          </p:cNvCxnSpPr>
+          <p:nvPr/>
+        </p:nvCxnSpPr>
+        <p:spPr>
+          <a:xfrm flipV="1">
+            <a:off x="5901590" y="2850431"/>
+            <a:ext cx="0" cy="273898"/>
+          </a:xfrm>
+          <a:prstGeom prst="line">
+            <a:avLst/>
+          </a:prstGeom>
+          <a:ln w="12700">
+            <a:solidFill>
+              <a:schemeClr val="tx1"/>
+            </a:solidFill>
+          </a:ln>
+        </p:spPr>
+        <p:style>
+          <a:lnRef idx="1">
+            <a:schemeClr val="accent1"/>
+          </a:lnRef>
+          <a:fillRef idx="0">
+            <a:schemeClr val="accent1"/>
+          </a:fillRef>
+          <a:effectRef idx="0">
+            <a:schemeClr val="accent1"/>
+          </a:effectRef>
+          <a:fontRef idx="minor">
+            <a:schemeClr val="tx1"/>
+          </a:fontRef>
+        </p:style>
+      </p:cxnSp>
+      <p:cxnSp>
+        <p:nvCxnSpPr>
+          <p:cNvPr id="34" name="Straight Connector 33">
+            <a:extLst>
+              <a:ext uri="{FF2B5EF4-FFF2-40B4-BE49-F238E27FC236}">
+                <a16:creationId xmlns:a16="http://schemas.microsoft.com/office/drawing/2014/main" id="{352E88B5-E78C-46DE-B700-8F032B866E70}"/>
+              </a:ext>
+            </a:extLst>
+          </p:cNvPr>
+          <p:cNvCxnSpPr>
+            <a:cxnSpLocks/>
+          </p:cNvCxnSpPr>
+          <p:nvPr/>
+        </p:nvCxnSpPr>
+        <p:spPr>
+          <a:xfrm flipV="1">
+            <a:off x="5901590" y="3627602"/>
+            <a:ext cx="0" cy="273898"/>
+          </a:xfrm>
+          <a:prstGeom prst="line">
+            <a:avLst/>
+          </a:prstGeom>
+          <a:ln w="12700">
+            <a:solidFill>
+              <a:schemeClr val="tx1"/>
+            </a:solidFill>
+          </a:ln>
+        </p:spPr>
+        <p:style>
+          <a:lnRef idx="1">
+            <a:schemeClr val="accent1"/>
+          </a:lnRef>
+          <a:fillRef idx="0">
+            <a:schemeClr val="accent1"/>
+          </a:fillRef>
+          <a:effectRef idx="0">
+            <a:schemeClr val="accent1"/>
+          </a:effectRef>
+          <a:fontRef idx="minor">
+            <a:schemeClr val="tx1"/>
+          </a:fontRef>
+        </p:style>
+      </p:cxnSp>
+      <p:cxnSp>
+        <p:nvCxnSpPr>
+          <p:cNvPr id="35" name="Straight Connector 34">
+            <a:extLst>
+              <a:ext uri="{FF2B5EF4-FFF2-40B4-BE49-F238E27FC236}">
+                <a16:creationId xmlns:a16="http://schemas.microsoft.com/office/drawing/2014/main" id="{44DF3F28-4655-4034-B268-4F304449168C}"/>
+              </a:ext>
+            </a:extLst>
+          </p:cNvPr>
+          <p:cNvCxnSpPr>
+            <a:cxnSpLocks/>
+          </p:cNvCxnSpPr>
+          <p:nvPr/>
+        </p:nvCxnSpPr>
+        <p:spPr>
+          <a:xfrm flipV="1">
+            <a:off x="7518732" y="2833208"/>
+            <a:ext cx="581134" cy="1"/>
+          </a:xfrm>
+          <a:prstGeom prst="line">
+            <a:avLst/>
+          </a:prstGeom>
+          <a:ln w="12700">
+            <a:solidFill>
+              <a:schemeClr val="tx1"/>
+            </a:solidFill>
+          </a:ln>
+        </p:spPr>
+        <p:style>
+          <a:lnRef idx="1">
+            <a:schemeClr val="accent1"/>
+          </a:lnRef>
+          <a:fillRef idx="0">
+            <a:schemeClr val="accent1"/>
+          </a:fillRef>
+          <a:effectRef idx="0">
+            <a:schemeClr val="accent1"/>
+          </a:effectRef>
+          <a:fontRef idx="minor">
+            <a:schemeClr val="tx1"/>
+          </a:fontRef>
+        </p:style>
+      </p:cxnSp>
+      <p:cxnSp>
+        <p:nvCxnSpPr>
+          <p:cNvPr id="36" name="Straight Connector 35">
+            <a:extLst>
+              <a:ext uri="{FF2B5EF4-FFF2-40B4-BE49-F238E27FC236}">
+                <a16:creationId xmlns:a16="http://schemas.microsoft.com/office/drawing/2014/main" id="{AC83C072-B4D0-4735-B7CC-1F89A94E4D77}"/>
+              </a:ext>
+            </a:extLst>
+          </p:cNvPr>
+          <p:cNvCxnSpPr>
+            <a:cxnSpLocks/>
+          </p:cNvCxnSpPr>
+          <p:nvPr/>
+        </p:nvCxnSpPr>
+        <p:spPr>
+          <a:xfrm flipV="1">
+            <a:off x="8856385" y="2833207"/>
+            <a:ext cx="581134" cy="1"/>
+          </a:xfrm>
+          <a:prstGeom prst="line">
+            <a:avLst/>
+          </a:prstGeom>
+          <a:ln w="12700">
+            <a:solidFill>
+              <a:schemeClr val="tx1"/>
+            </a:solidFill>
+          </a:ln>
+        </p:spPr>
+        <p:style>
+          <a:lnRef idx="1">
+            <a:schemeClr val="accent1"/>
+          </a:lnRef>
+          <a:fillRef idx="0">
+            <a:schemeClr val="accent1"/>
+          </a:fillRef>
+          <a:effectRef idx="0">
+            <a:schemeClr val="accent1"/>
+          </a:effectRef>
+          <a:fontRef idx="minor">
+            <a:schemeClr val="tx1"/>
+          </a:fontRef>
+        </p:style>
+      </p:cxnSp>
+      <p:cxnSp>
+        <p:nvCxnSpPr>
+          <p:cNvPr id="37" name="Straight Connector 36">
+            <a:extLst>
+              <a:ext uri="{FF2B5EF4-FFF2-40B4-BE49-F238E27FC236}">
+                <a16:creationId xmlns:a16="http://schemas.microsoft.com/office/drawing/2014/main" id="{82D8A401-30A6-4799-AB24-340464D8A6F0}"/>
+              </a:ext>
+            </a:extLst>
+          </p:cNvPr>
+          <p:cNvCxnSpPr>
+            <a:cxnSpLocks/>
+          </p:cNvCxnSpPr>
+          <p:nvPr/>
+        </p:nvCxnSpPr>
+        <p:spPr>
+          <a:xfrm flipV="1">
+            <a:off x="7933590" y="2833207"/>
+            <a:ext cx="0" cy="1067700"/>
+          </a:xfrm>
+          <a:prstGeom prst="line">
+            <a:avLst/>
+          </a:prstGeom>
+          <a:ln w="12700">
+            <a:solidFill>
+              <a:schemeClr val="tx1"/>
+            </a:solidFill>
+          </a:ln>
+        </p:spPr>
+        <p:style>
+          <a:lnRef idx="1">
+            <a:schemeClr val="accent1"/>
+          </a:lnRef>
+          <a:fillRef idx="0">
+            <a:schemeClr val="accent1"/>
+          </a:fillRef>
+          <a:effectRef idx="0">
+            <a:schemeClr val="accent1"/>
+          </a:effectRef>
+          <a:fontRef idx="minor">
+            <a:schemeClr val="tx1"/>
+          </a:fontRef>
+        </p:style>
+      </p:cxnSp>
+      <p:cxnSp>
+        <p:nvCxnSpPr>
+          <p:cNvPr id="39" name="Straight Connector 38">
+            <a:extLst>
+              <a:ext uri="{FF2B5EF4-FFF2-40B4-BE49-F238E27FC236}">
+                <a16:creationId xmlns:a16="http://schemas.microsoft.com/office/drawing/2014/main" id="{BAA53EAF-E589-4F99-BEEF-2A6DB0B72740}"/>
+              </a:ext>
+            </a:extLst>
+          </p:cNvPr>
+          <p:cNvCxnSpPr>
+            <a:cxnSpLocks/>
+          </p:cNvCxnSpPr>
+          <p:nvPr/>
+        </p:nvCxnSpPr>
+        <p:spPr>
+          <a:xfrm flipV="1">
+            <a:off x="4431388" y="3896602"/>
+            <a:ext cx="3502202" cy="4305"/>
+          </a:xfrm>
+          <a:prstGeom prst="line">
+            <a:avLst/>
+          </a:prstGeom>
+          <a:ln w="12700">
+            <a:solidFill>
+              <a:schemeClr val="tx1"/>
+            </a:solidFill>
+          </a:ln>
+        </p:spPr>
+        <p:style>
+          <a:lnRef idx="1">
+            <a:schemeClr val="accent1"/>
+          </a:lnRef>
+          <a:fillRef idx="0">
+            <a:schemeClr val="accent1"/>
+          </a:fillRef>
+          <a:effectRef idx="0">
+            <a:schemeClr val="accent1"/>
+          </a:effectRef>
+          <a:fontRef idx="minor">
+            <a:schemeClr val="tx1"/>
+          </a:fontRef>
+        </p:style>
+      </p:cxnSp>
+      <p:cxnSp>
+        <p:nvCxnSpPr>
+          <p:cNvPr id="47" name="Straight Connector 46">
+            <a:extLst>
+              <a:ext uri="{FF2B5EF4-FFF2-40B4-BE49-F238E27FC236}">
+                <a16:creationId xmlns:a16="http://schemas.microsoft.com/office/drawing/2014/main" id="{DE0BD103-264E-4018-B086-269DE9AD1405}"/>
+              </a:ext>
+            </a:extLst>
+          </p:cNvPr>
+          <p:cNvCxnSpPr>
+            <a:cxnSpLocks/>
+          </p:cNvCxnSpPr>
+          <p:nvPr/>
+        </p:nvCxnSpPr>
+        <p:spPr>
+          <a:xfrm flipV="1">
+            <a:off x="8143910" y="6176432"/>
+            <a:ext cx="0" cy="43988"/>
+          </a:xfrm>
+          <a:prstGeom prst="line">
+            <a:avLst/>
+          </a:prstGeom>
+          <a:ln w="12700">
+            <a:solidFill>
+              <a:schemeClr val="tx1"/>
+            </a:solidFill>
+          </a:ln>
+        </p:spPr>
+        <p:style>
+          <a:lnRef idx="1">
+            <a:schemeClr val="accent1"/>
+          </a:lnRef>
+          <a:fillRef idx="0">
+            <a:schemeClr val="accent1"/>
+          </a:fillRef>
+          <a:effectRef idx="0">
+            <a:schemeClr val="accent1"/>
+          </a:effectRef>
+          <a:fontRef idx="minor">
+            <a:schemeClr val="tx1"/>
+          </a:fontRef>
+        </p:style>
+      </p:cxnSp>
+      <p:pic>
+        <p:nvPicPr>
+          <p:cNvPr id="1040" name="Picture 16" descr="Resultado de imagen de LED symbol">
+            <a:extLst>
+              <a:ext uri="{FF2B5EF4-FFF2-40B4-BE49-F238E27FC236}">
+                <a16:creationId xmlns:a16="http://schemas.microsoft.com/office/drawing/2014/main" id="{7D350C41-82BA-4227-9107-D613A5241BA9}"/>
+              </a:ext>
+            </a:extLst>
+          </p:cNvPr>
+          <p:cNvPicPr>
+            <a:picLocks noChangeAspect="1" noChangeArrowheads="1"/>
+          </p:cNvPicPr>
+          <p:nvPr/>
+        </p:nvPicPr>
+        <p:blipFill>
+          <a:blip r:embed="rId9">
+            <a:extLst>
+              <a:ext uri="{28A0092B-C50C-407E-A947-70E740481C1C}">
+                <a14:useLocalDpi xmlns:a14="http://schemas.microsoft.com/office/drawing/2010/main" val="0"/>
+              </a:ext>
+            </a:extLst>
+          </a:blip>
+          <a:srcRect/>
+          <a:stretch>
+            <a:fillRect/>
+          </a:stretch>
+        </p:blipFill>
+        <p:spPr bwMode="auto">
+          <a:xfrm rot="5400000">
+            <a:off x="10356272" y="2973543"/>
+            <a:ext cx="893587" cy="575957"/>
+          </a:xfrm>
+          <a:prstGeom prst="rect">
+            <a:avLst/>
+          </a:prstGeom>
+          <a:noFill/>
+          <a:extLst>
+            <a:ext uri="{909E8E84-426E-40DD-AFC4-6F175D3DCCD1}">
+              <a14:hiddenFill xmlns:a14="http://schemas.microsoft.com/office/drawing/2010/main">
+                <a:solidFill>
+                  <a:srgbClr val="FFFFFF"/>
+                </a:solidFill>
+              </a14:hiddenFill>
+            </a:ext>
+          </a:extLst>
+        </p:spPr>
+      </p:pic>
+      <p:cxnSp>
+        <p:nvCxnSpPr>
+          <p:cNvPr id="59" name="Straight Connector 58">
+            <a:extLst>
+              <a:ext uri="{FF2B5EF4-FFF2-40B4-BE49-F238E27FC236}">
+                <a16:creationId xmlns:a16="http://schemas.microsoft.com/office/drawing/2014/main" id="{512DBDE7-C25B-4B16-A418-5F8C25D3AC81}"/>
+              </a:ext>
+            </a:extLst>
+          </p:cNvPr>
+          <p:cNvCxnSpPr>
+            <a:cxnSpLocks/>
+          </p:cNvCxnSpPr>
+          <p:nvPr/>
+        </p:nvCxnSpPr>
+        <p:spPr>
+          <a:xfrm flipV="1">
+            <a:off x="10157422" y="2837731"/>
+            <a:ext cx="581134" cy="1"/>
+          </a:xfrm>
+          <a:prstGeom prst="line">
+            <a:avLst/>
+          </a:prstGeom>
+          <a:ln w="12700">
+            <a:solidFill>
+              <a:schemeClr val="tx1"/>
+            </a:solidFill>
+          </a:ln>
+        </p:spPr>
+        <p:style>
+          <a:lnRef idx="1">
+            <a:schemeClr val="accent1"/>
+          </a:lnRef>
+          <a:fillRef idx="0">
+            <a:schemeClr val="accent1"/>
+          </a:fillRef>
+          <a:effectRef idx="0">
+            <a:schemeClr val="accent1"/>
+          </a:effectRef>
+          <a:fontRef idx="minor">
+            <a:schemeClr val="tx1"/>
+          </a:fontRef>
+        </p:style>
+      </p:cxnSp>
+      <p:sp>
+        <p:nvSpPr>
+          <p:cNvPr id="5" name="TextBox 4">
+            <a:extLst>
+              <a:ext uri="{FF2B5EF4-FFF2-40B4-BE49-F238E27FC236}">
+                <a16:creationId xmlns:a16="http://schemas.microsoft.com/office/drawing/2014/main" id="{89C7FCF1-AECD-4E32-8F3B-9996B19F8388}"/>
+              </a:ext>
+            </a:extLst>
+          </p:cNvPr>
+          <p:cNvSpPr txBox="1"/>
+          <p:nvPr/>
+        </p:nvSpPr>
+        <p:spPr>
+          <a:xfrm>
+            <a:off x="4120245" y="4229151"/>
+            <a:ext cx="622286" cy="369332"/>
+          </a:xfrm>
+          <a:prstGeom prst="rect">
+            <a:avLst/>
+          </a:prstGeom>
+          <a:noFill/>
+        </p:spPr>
+        <p:txBody>
+          <a:bodyPr wrap="none" rtlCol="0">
+            <a:spAutoFit/>
+          </a:bodyPr>
+          <a:lstStyle/>
+          <a:p>
+            <a:r>
+              <a:rPr lang="es-ES" dirty="0"/>
+              <a:t>GND</a:t>
+            </a:r>
+          </a:p>
+        </p:txBody>
+      </p:sp>
+      <p:sp>
+        <p:nvSpPr>
+          <p:cNvPr id="28" name="TextBox 27">
+            <a:extLst>
+              <a:ext uri="{FF2B5EF4-FFF2-40B4-BE49-F238E27FC236}">
+                <a16:creationId xmlns:a16="http://schemas.microsoft.com/office/drawing/2014/main" id="{4A6DF572-E2D6-452F-BA4B-B4E933EBDBC8}"/>
+              </a:ext>
+            </a:extLst>
+          </p:cNvPr>
+          <p:cNvSpPr txBox="1"/>
+          <p:nvPr/>
+        </p:nvSpPr>
+        <p:spPr>
+          <a:xfrm>
+            <a:off x="4236922" y="2072523"/>
+            <a:ext cx="391454" cy="369332"/>
+          </a:xfrm>
+          <a:prstGeom prst="rect">
+            <a:avLst/>
+          </a:prstGeom>
+          <a:noFill/>
+        </p:spPr>
+        <p:txBody>
+          <a:bodyPr wrap="square" rtlCol="0">
+            <a:spAutoFit/>
+          </a:bodyPr>
+          <a:lstStyle/>
+          <a:p>
+            <a:r>
+              <a:rPr lang="es-ES" dirty="0"/>
+              <a:t>IN</a:t>
+            </a:r>
+          </a:p>
+        </p:txBody>
+      </p:sp>
+      <p:cxnSp>
+        <p:nvCxnSpPr>
+          <p:cNvPr id="29" name="Straight Connector 28">
+            <a:extLst>
+              <a:ext uri="{FF2B5EF4-FFF2-40B4-BE49-F238E27FC236}">
+                <a16:creationId xmlns:a16="http://schemas.microsoft.com/office/drawing/2014/main" id="{97FA5E35-0EC7-4068-AA9E-23208B351839}"/>
+              </a:ext>
+            </a:extLst>
+          </p:cNvPr>
+          <p:cNvCxnSpPr>
+            <a:cxnSpLocks/>
+          </p:cNvCxnSpPr>
+          <p:nvPr/>
+        </p:nvCxnSpPr>
+        <p:spPr>
+          <a:xfrm flipV="1">
+            <a:off x="10157422" y="3687286"/>
+            <a:ext cx="581134" cy="1"/>
+          </a:xfrm>
+          <a:prstGeom prst="line">
+            <a:avLst/>
+          </a:prstGeom>
+          <a:ln w="12700">
+            <a:solidFill>
+              <a:schemeClr val="tx1"/>
+            </a:solidFill>
+          </a:ln>
+        </p:spPr>
+        <p:style>
+          <a:lnRef idx="1">
+            <a:schemeClr val="accent1"/>
+          </a:lnRef>
+          <a:fillRef idx="0">
+            <a:schemeClr val="accent1"/>
+          </a:fillRef>
+          <a:effectRef idx="0">
+            <a:schemeClr val="accent1"/>
+          </a:effectRef>
+          <a:fontRef idx="minor">
+            <a:schemeClr val="tx1"/>
+          </a:fontRef>
+        </p:style>
+      </p:cxnSp>
+    </p:spTree>
+    <p:extLst>
+      <p:ext uri="{BB962C8B-B14F-4D97-AF65-F5344CB8AC3E}">
+        <p14:creationId xmlns:p14="http://schemas.microsoft.com/office/powerpoint/2010/main" val="2867280328"/>
+      </p:ext>
+    </p:extLst>
+  </p:cSld>
+  <p:clrMapOvr>
+    <a:masterClrMapping/>
+  </p:clrMapOvr>
+</p:sld>
+</file>
+
+<file path=ppt/slides/slide3.xml><?xml version="1.0" encoding="utf-8"?>
+<p:sld xmlns:a="http://schemas.openxmlformats.org/drawingml/2006/main" xmlns:r="http://schemas.openxmlformats.org/officeDocument/2006/relationships" xmlns:p="http://schemas.openxmlformats.org/presentationml/2006/main">
+  <p:cSld>
+    <p:spTree>
+      <p:nvGrpSpPr>
+        <p:cNvPr id="1" name=""/>
+        <p:cNvGrpSpPr/>
+        <p:nvPr/>
+      </p:nvGrpSpPr>
+      <p:grpSpPr>
+        <a:xfrm>
+          <a:off x="0" y="0"/>
+          <a:ext cx="0" cy="0"/>
+          <a:chOff x="0" y="0"/>
+          <a:chExt cx="0" cy="0"/>
+        </a:xfrm>
+      </p:grpSpPr>
+      <p:pic>
+        <p:nvPicPr>
           <p:cNvPr id="10" name="Picture 9">
             <a:extLst>
               <a:ext uri="{FF2B5EF4-FFF2-40B4-BE49-F238E27FC236}">
@@ -5169,7 +6316,7 @@
 </p:sld>
 </file>
 
-<file path=ppt/slides/slide3.xml><?xml version="1.0" encoding="utf-8"?>
+<file path=ppt/slides/slide4.xml><?xml version="1.0" encoding="utf-8"?>
 <p:sld xmlns:a="http://schemas.openxmlformats.org/drawingml/2006/main" xmlns:r="http://schemas.openxmlformats.org/officeDocument/2006/relationships" xmlns:p="http://schemas.openxmlformats.org/presentationml/2006/main">
   <p:cSld>
     <p:spTree>
